--- a/BDK04-1.pptx
+++ b/BDK04-1.pptx
@@ -6,37 +6,39 @@
     <p:sldMasterId id="2147483879" r:id="rId2"/>
   </p:sldMasterIdLst>
   <p:notesMasterIdLst>
-    <p:notesMasterId r:id="rId23"/>
+    <p:notesMasterId r:id="rId25"/>
   </p:notesMasterIdLst>
   <p:handoutMasterIdLst>
-    <p:handoutMasterId r:id="rId24"/>
+    <p:handoutMasterId r:id="rId26"/>
   </p:handoutMasterIdLst>
   <p:sldIdLst>
     <p:sldId id="256" r:id="rId3"/>
     <p:sldId id="273" r:id="rId4"/>
-    <p:sldId id="292" r:id="rId5"/>
-    <p:sldId id="260" r:id="rId6"/>
-    <p:sldId id="293" r:id="rId7"/>
-    <p:sldId id="258" r:id="rId8"/>
-    <p:sldId id="259" r:id="rId9"/>
-    <p:sldId id="261" r:id="rId10"/>
-    <p:sldId id="269" r:id="rId11"/>
-    <p:sldId id="271" r:id="rId12"/>
-    <p:sldId id="278" r:id="rId13"/>
-    <p:sldId id="284" r:id="rId14"/>
-    <p:sldId id="294" r:id="rId15"/>
-    <p:sldId id="285" r:id="rId16"/>
-    <p:sldId id="277" r:id="rId17"/>
-    <p:sldId id="295" r:id="rId18"/>
-    <p:sldId id="296" r:id="rId19"/>
-    <p:sldId id="265" r:id="rId20"/>
-    <p:sldId id="272" r:id="rId21"/>
-    <p:sldId id="297" r:id="rId22"/>
+    <p:sldId id="298" r:id="rId5"/>
+    <p:sldId id="292" r:id="rId6"/>
+    <p:sldId id="260" r:id="rId7"/>
+    <p:sldId id="293" r:id="rId8"/>
+    <p:sldId id="258" r:id="rId9"/>
+    <p:sldId id="259" r:id="rId10"/>
+    <p:sldId id="261" r:id="rId11"/>
+    <p:sldId id="299" r:id="rId12"/>
+    <p:sldId id="269" r:id="rId13"/>
+    <p:sldId id="271" r:id="rId14"/>
+    <p:sldId id="278" r:id="rId15"/>
+    <p:sldId id="284" r:id="rId16"/>
+    <p:sldId id="294" r:id="rId17"/>
+    <p:sldId id="285" r:id="rId18"/>
+    <p:sldId id="300" r:id="rId19"/>
+    <p:sldId id="277" r:id="rId20"/>
+    <p:sldId id="295" r:id="rId21"/>
+    <p:sldId id="296" r:id="rId22"/>
+    <p:sldId id="272" r:id="rId23"/>
+    <p:sldId id="297" r:id="rId24"/>
   </p:sldIdLst>
   <p:sldSz cx="9144000" cy="6858000" type="screen4x3"/>
   <p:notesSz cx="7315200" cy="9601200"/>
   <p:custDataLst>
-    <p:tags r:id="rId25"/>
+    <p:tags r:id="rId27"/>
   </p:custDataLst>
   <p:defaultTextStyle>
     <a:defPPr>
@@ -574,7 +576,7 @@
               </a14:hiddenFill>
             </a:ext>
             <a:ext uri="{FAA26D3D-D897-4be2-8F04-BA451C77F1D7}">
-              <ma14:placeholderFlag xmlns="" xmlns:ma14="http://schemas.microsoft.com/office/mac/drawingml/2011/main" val="1"/>
+              <ma14:placeholderFlag xmlns:ma14="http://schemas.microsoft.com/office/mac/drawingml/2011/main" xmlns="" val="1"/>
             </a:ext>
           </a:extLst>
         </p:spPr>
@@ -1102,7 +1104,7 @@
               </a14:hiddenLine>
             </a:ext>
             <a:ext uri="{FAA26D3D-D897-4be2-8F04-BA451C77F1D7}">
-              <ma14:placeholderFlag xmlns="" xmlns:ma14="http://schemas.microsoft.com/office/mac/drawingml/2011/main" val="1"/>
+              <ma14:placeholderFlag xmlns:ma14="http://schemas.microsoft.com/office/mac/drawingml/2011/main" xmlns="" val="1"/>
             </a:ext>
           </a:extLst>
         </p:spPr>
@@ -1296,7 +1298,7 @@
                 <a:latin typeface="Tahoma" charset="0"/>
               </a:rPr>
               <a:pPr eaLnBrk="1" hangingPunct="1"/>
-              <a:t>10</a:t>
+              <a:t>12</a:t>
             </a:fld>
             <a:endParaRPr lang="en-US">
               <a:latin typeface="Tahoma" charset="0"/>
@@ -1350,7 +1352,7 @@
               </a14:hiddenLine>
             </a:ext>
             <a:ext uri="{FAA26D3D-D897-4be2-8F04-BA451C77F1D7}">
-              <ma14:placeholderFlag xmlns="" xmlns:ma14="http://schemas.microsoft.com/office/mac/drawingml/2011/main" val="1"/>
+              <ma14:placeholderFlag xmlns:ma14="http://schemas.microsoft.com/office/mac/drawingml/2011/main" xmlns="" val="1"/>
             </a:ext>
           </a:extLst>
         </p:spPr>
@@ -1544,7 +1546,7 @@
                 <a:latin typeface="Tahoma" charset="0"/>
               </a:rPr>
               <a:pPr eaLnBrk="1" hangingPunct="1"/>
-              <a:t>11</a:t>
+              <a:t>13</a:t>
             </a:fld>
             <a:endParaRPr lang="en-US">
               <a:latin typeface="Tahoma" charset="0"/>
@@ -1598,7 +1600,7 @@
               </a14:hiddenLine>
             </a:ext>
             <a:ext uri="{FAA26D3D-D897-4be2-8F04-BA451C77F1D7}">
-              <ma14:placeholderFlag xmlns="" xmlns:ma14="http://schemas.microsoft.com/office/mac/drawingml/2011/main" val="1"/>
+              <ma14:placeholderFlag xmlns:ma14="http://schemas.microsoft.com/office/mac/drawingml/2011/main" xmlns="" val="1"/>
             </a:ext>
           </a:extLst>
         </p:spPr>
@@ -1689,7 +1691,7 @@
               </a14:hiddenLine>
             </a:ext>
             <a:ext uri="{FAA26D3D-D897-4be2-8F04-BA451C77F1D7}">
-              <ma14:placeholderFlag xmlns="" xmlns:ma14="http://schemas.microsoft.com/office/mac/drawingml/2011/main" val="1"/>
+              <ma14:placeholderFlag xmlns:ma14="http://schemas.microsoft.com/office/mac/drawingml/2011/main" xmlns="" val="1"/>
             </a:ext>
           </a:extLst>
         </p:spPr>
@@ -1852,7 +1854,7 @@
                 <a:latin typeface="Tahoma" charset="0"/>
               </a:rPr>
               <a:pPr eaLnBrk="1" hangingPunct="1"/>
-              <a:t>12</a:t>
+              <a:t>14</a:t>
             </a:fld>
             <a:endParaRPr lang="en-US">
               <a:latin typeface="Tahoma" charset="0"/>
@@ -1939,7 +1941,7 @@
             <a:fld id="{14E24DB0-02DB-BC48-B5B6-15F616751D32}" type="slidenum">
               <a:rPr lang="en-US" smtClean="0"/>
               <a:pPr/>
-              <a:t>13</a:t>
+              <a:t>15</a:t>
             </a:fld>
             <a:endParaRPr lang="en-US"/>
           </a:p>
@@ -2021,7 +2023,7 @@
               </a14:hiddenLine>
             </a:ext>
             <a:ext uri="{FAA26D3D-D897-4be2-8F04-BA451C77F1D7}">
-              <ma14:placeholderFlag xmlns="" xmlns:ma14="http://schemas.microsoft.com/office/mac/drawingml/2011/main" val="1"/>
+              <ma14:placeholderFlag xmlns:ma14="http://schemas.microsoft.com/office/mac/drawingml/2011/main" xmlns="" val="1"/>
             </a:ext>
           </a:extLst>
         </p:spPr>
@@ -2184,7 +2186,7 @@
                 <a:latin typeface="Tahoma" charset="0"/>
               </a:rPr>
               <a:pPr eaLnBrk="1" hangingPunct="1"/>
-              <a:t>14</a:t>
+              <a:t>16</a:t>
             </a:fld>
             <a:endParaRPr lang="en-US">
               <a:latin typeface="Tahoma" charset="0"/>
@@ -2371,7 +2373,7 @@
                 <a:latin typeface="Tahoma" charset="0"/>
               </a:rPr>
               <a:pPr eaLnBrk="1" hangingPunct="1"/>
-              <a:t>15</a:t>
+              <a:t>18</a:t>
             </a:fld>
             <a:endParaRPr lang="en-US">
               <a:latin typeface="Tahoma" charset="0"/>
@@ -2425,7 +2427,7 @@
               </a14:hiddenLine>
             </a:ext>
             <a:ext uri="{FAA26D3D-D897-4be2-8F04-BA451C77F1D7}">
-              <ma14:placeholderFlag xmlns="" xmlns:ma14="http://schemas.microsoft.com/office/mac/drawingml/2011/main" val="1"/>
+              <ma14:placeholderFlag xmlns:ma14="http://schemas.microsoft.com/office/mac/drawingml/2011/main" xmlns="" val="1"/>
             </a:ext>
           </a:extLst>
         </p:spPr>
@@ -2519,7 +2521,7 @@
             <a:fld id="{14E24DB0-02DB-BC48-B5B6-15F616751D32}" type="slidenum">
               <a:rPr lang="en-US" smtClean="0"/>
               <a:pPr/>
-              <a:t>16</a:t>
+              <a:t>19</a:t>
             </a:fld>
             <a:endParaRPr lang="en-US"/>
           </a:p>
@@ -2604,7 +2606,7 @@
             <a:fld id="{14E24DB0-02DB-BC48-B5B6-15F616751D32}" type="slidenum">
               <a:rPr lang="en-US" smtClean="0"/>
               <a:pPr/>
-              <a:t>17</a:t>
+              <a:t>20</a:t>
             </a:fld>
             <a:endParaRPr lang="en-US"/>
           </a:p>
@@ -2642,7 +2644,7 @@
       </p:grpSpPr>
       <p:sp>
         <p:nvSpPr>
-          <p:cNvPr id="52226" name="Rectangle 7"/>
+          <p:cNvPr id="53250" name="Rectangle 7"/>
           <p:cNvSpPr>
             <a:spLocks noGrp="1" noChangeArrowheads="1"/>
           </p:cNvSpPr>
@@ -2784,12 +2786,12 @@
           </a:lstStyle>
           <a:p>
             <a:pPr eaLnBrk="1" hangingPunct="1"/>
-            <a:fld id="{AE9A1834-84EB-8D41-932A-FC4F8FD0542F}" type="slidenum">
+            <a:fld id="{DE7F7843-CF6E-2146-B2EB-8513E46DC819}" type="slidenum">
               <a:rPr lang="en-US">
                 <a:latin typeface="Tahoma" charset="0"/>
               </a:rPr>
               <a:pPr eaLnBrk="1" hangingPunct="1"/>
-              <a:t>18</a:t>
+              <a:t>21</a:t>
             </a:fld>
             <a:endParaRPr lang="en-US">
               <a:latin typeface="Tahoma" charset="0"/>
@@ -2799,7 +2801,7 @@
       </p:sp>
       <p:sp>
         <p:nvSpPr>
-          <p:cNvPr id="52227" name="Rectangle 2"/>
+          <p:cNvPr id="53251" name="Rectangle 2"/>
           <p:cNvSpPr>
             <a:spLocks noGrp="1" noRot="1" noChangeAspect="1" noChangeArrowheads="1" noTextEdit="1"/>
           </p:cNvSpPr>
@@ -2813,7 +2815,7 @@
       </p:sp>
       <p:sp>
         <p:nvSpPr>
-          <p:cNvPr id="52228" name="Rectangle 3"/>
+          <p:cNvPr id="53252" name="Rectangle 3"/>
           <p:cNvSpPr>
             <a:spLocks noGrp="1" noChangeArrowheads="1"/>
           </p:cNvSpPr>
@@ -2843,255 +2845,7 @@
               </a14:hiddenLine>
             </a:ext>
             <a:ext uri="{FAA26D3D-D897-4be2-8F04-BA451C77F1D7}">
-              <ma14:placeholderFlag xmlns="" xmlns:ma14="http://schemas.microsoft.com/office/mac/drawingml/2011/main" val="1"/>
-            </a:ext>
-          </a:extLst>
-        </p:spPr>
-        <p:txBody>
-          <a:bodyPr/>
-          <a:lstStyle/>
-          <a:p>
-            <a:pPr eaLnBrk="1" hangingPunct="1"/>
-            <a:endParaRPr lang="en-US">
-              <a:latin typeface="Times New Roman" charset="0"/>
-            </a:endParaRPr>
-          </a:p>
-        </p:txBody>
-      </p:sp>
-    </p:spTree>
-    <p:extLst>
-      <p:ext uri="{BB962C8B-B14F-4D97-AF65-F5344CB8AC3E}">
-        <p14:creationId xmlns:p14="http://schemas.microsoft.com/office/powerpoint/2010/main" val="2650017331"/>
-      </p:ext>
-    </p:extLst>
-  </p:cSld>
-  <p:clrMapOvr>
-    <a:masterClrMapping/>
-  </p:clrMapOvr>
-</p:notes>
-</file>
-
-<file path=ppt/notesSlides/notesSlide19.xml><?xml version="1.0" encoding="utf-8"?>
-<p:notes xmlns:a="http://schemas.openxmlformats.org/drawingml/2006/main" xmlns:r="http://schemas.openxmlformats.org/officeDocument/2006/relationships" xmlns:p="http://schemas.openxmlformats.org/presentationml/2006/main">
-  <p:cSld>
-    <p:spTree>
-      <p:nvGrpSpPr>
-        <p:cNvPr id="1" name=""/>
-        <p:cNvGrpSpPr/>
-        <p:nvPr/>
-      </p:nvGrpSpPr>
-      <p:grpSpPr>
-        <a:xfrm>
-          <a:off x="0" y="0"/>
-          <a:ext cx="0" cy="0"/>
-          <a:chOff x="0" y="0"/>
-          <a:chExt cx="0" cy="0"/>
-        </a:xfrm>
-      </p:grpSpPr>
-      <p:sp>
-        <p:nvSpPr>
-          <p:cNvPr id="53250" name="Rectangle 7"/>
-          <p:cNvSpPr>
-            <a:spLocks noGrp="1" noChangeArrowheads="1"/>
-          </p:cNvSpPr>
-          <p:nvPr>
-            <p:ph type="sldNum" sz="quarter" idx="5"/>
-          </p:nvPr>
-        </p:nvSpPr>
-        <p:spPr>
-          <a:noFill/>
-          <a:ln/>
-          <a:extLst>
-            <a:ext uri="{909E8E84-426E-40DD-AFC4-6F175D3DCCD1}">
-              <a14:hiddenFill xmlns:a14="http://schemas.microsoft.com/office/drawing/2010/main">
-                <a:solidFill>
-                  <a:srgbClr val="FFFFFF"/>
-                </a:solidFill>
-              </a14:hiddenFill>
-            </a:ext>
-            <a:ext uri="{91240B29-F687-4F45-9708-019B960494DF}">
-              <a14:hiddenLine xmlns:a14="http://schemas.microsoft.com/office/drawing/2010/main" w="9525">
-                <a:solidFill>
-                  <a:srgbClr val="000000"/>
-                </a:solidFill>
-                <a:miter lim="800000"/>
-                <a:headEnd/>
-                <a:tailEnd/>
-              </a14:hiddenLine>
-            </a:ext>
-          </a:extLst>
-        </p:spPr>
-        <p:txBody>
-          <a:bodyPr/>
-          <a:lstStyle>
-            <a:lvl1pPr eaLnBrk="0" hangingPunct="0">
-              <a:defRPr>
-                <a:solidFill>
-                  <a:schemeClr val="tx1"/>
-                </a:solidFill>
-                <a:latin typeface="Arial" charset="0"/>
-                <a:ea typeface="ＭＳ Ｐゴシック" charset="0"/>
-              </a:defRPr>
-            </a:lvl1pPr>
-            <a:lvl2pPr marL="742950" indent="-285750" eaLnBrk="0" hangingPunct="0">
-              <a:defRPr>
-                <a:solidFill>
-                  <a:schemeClr val="tx1"/>
-                </a:solidFill>
-                <a:latin typeface="Arial" charset="0"/>
-                <a:ea typeface="ＭＳ Ｐゴシック" charset="0"/>
-              </a:defRPr>
-            </a:lvl2pPr>
-            <a:lvl3pPr marL="1143000" indent="-228600" eaLnBrk="0" hangingPunct="0">
-              <a:defRPr>
-                <a:solidFill>
-                  <a:schemeClr val="tx1"/>
-                </a:solidFill>
-                <a:latin typeface="Arial" charset="0"/>
-                <a:ea typeface="ＭＳ Ｐゴシック" charset="0"/>
-              </a:defRPr>
-            </a:lvl3pPr>
-            <a:lvl4pPr marL="1600200" indent="-228600" eaLnBrk="0" hangingPunct="0">
-              <a:defRPr>
-                <a:solidFill>
-                  <a:schemeClr val="tx1"/>
-                </a:solidFill>
-                <a:latin typeface="Arial" charset="0"/>
-                <a:ea typeface="ＭＳ Ｐゴシック" charset="0"/>
-              </a:defRPr>
-            </a:lvl4pPr>
-            <a:lvl5pPr marL="2057400" indent="-228600" eaLnBrk="0" hangingPunct="0">
-              <a:defRPr>
-                <a:solidFill>
-                  <a:schemeClr val="tx1"/>
-                </a:solidFill>
-                <a:latin typeface="Arial" charset="0"/>
-                <a:ea typeface="ＭＳ Ｐゴシック" charset="0"/>
-              </a:defRPr>
-            </a:lvl5pPr>
-            <a:lvl6pPr marL="2514600" indent="-228600" eaLnBrk="0" fontAlgn="base" hangingPunct="0">
-              <a:spcBef>
-                <a:spcPct val="0"/>
-              </a:spcBef>
-              <a:spcAft>
-                <a:spcPct val="0"/>
-              </a:spcAft>
-              <a:defRPr>
-                <a:solidFill>
-                  <a:schemeClr val="tx1"/>
-                </a:solidFill>
-                <a:latin typeface="Arial" charset="0"/>
-                <a:ea typeface="ＭＳ Ｐゴシック" charset="0"/>
-              </a:defRPr>
-            </a:lvl6pPr>
-            <a:lvl7pPr marL="2971800" indent="-228600" eaLnBrk="0" fontAlgn="base" hangingPunct="0">
-              <a:spcBef>
-                <a:spcPct val="0"/>
-              </a:spcBef>
-              <a:spcAft>
-                <a:spcPct val="0"/>
-              </a:spcAft>
-              <a:defRPr>
-                <a:solidFill>
-                  <a:schemeClr val="tx1"/>
-                </a:solidFill>
-                <a:latin typeface="Arial" charset="0"/>
-                <a:ea typeface="ＭＳ Ｐゴシック" charset="0"/>
-              </a:defRPr>
-            </a:lvl7pPr>
-            <a:lvl8pPr marL="3429000" indent="-228600" eaLnBrk="0" fontAlgn="base" hangingPunct="0">
-              <a:spcBef>
-                <a:spcPct val="0"/>
-              </a:spcBef>
-              <a:spcAft>
-                <a:spcPct val="0"/>
-              </a:spcAft>
-              <a:defRPr>
-                <a:solidFill>
-                  <a:schemeClr val="tx1"/>
-                </a:solidFill>
-                <a:latin typeface="Arial" charset="0"/>
-                <a:ea typeface="ＭＳ Ｐゴシック" charset="0"/>
-              </a:defRPr>
-            </a:lvl8pPr>
-            <a:lvl9pPr marL="3886200" indent="-228600" eaLnBrk="0" fontAlgn="base" hangingPunct="0">
-              <a:spcBef>
-                <a:spcPct val="0"/>
-              </a:spcBef>
-              <a:spcAft>
-                <a:spcPct val="0"/>
-              </a:spcAft>
-              <a:defRPr>
-                <a:solidFill>
-                  <a:schemeClr val="tx1"/>
-                </a:solidFill>
-                <a:latin typeface="Arial" charset="0"/>
-                <a:ea typeface="ＭＳ Ｐゴシック" charset="0"/>
-              </a:defRPr>
-            </a:lvl9pPr>
-          </a:lstStyle>
-          <a:p>
-            <a:pPr eaLnBrk="1" hangingPunct="1"/>
-            <a:fld id="{DE7F7843-CF6E-2146-B2EB-8513E46DC819}" type="slidenum">
-              <a:rPr lang="en-US">
-                <a:latin typeface="Tahoma" charset="0"/>
-              </a:rPr>
-              <a:pPr eaLnBrk="1" hangingPunct="1"/>
-              <a:t>19</a:t>
-            </a:fld>
-            <a:endParaRPr lang="en-US">
-              <a:latin typeface="Tahoma" charset="0"/>
-            </a:endParaRPr>
-          </a:p>
-        </p:txBody>
-      </p:sp>
-      <p:sp>
-        <p:nvSpPr>
-          <p:cNvPr id="53251" name="Rectangle 2"/>
-          <p:cNvSpPr>
-            <a:spLocks noGrp="1" noRot="1" noChangeAspect="1" noChangeArrowheads="1" noTextEdit="1"/>
-          </p:cNvSpPr>
-          <p:nvPr>
-            <p:ph type="sldImg"/>
-          </p:nvPr>
-        </p:nvSpPr>
-        <p:spPr>
-          <a:ln/>
-        </p:spPr>
-      </p:sp>
-      <p:sp>
-        <p:nvSpPr>
-          <p:cNvPr id="53252" name="Rectangle 3"/>
-          <p:cNvSpPr>
-            <a:spLocks noGrp="1" noChangeArrowheads="1"/>
-          </p:cNvSpPr>
-          <p:nvPr>
-            <p:ph type="body" idx="1"/>
-          </p:nvPr>
-        </p:nvSpPr>
-        <p:spPr>
-          <a:noFill/>
-          <a:ln/>
-          <a:extLst>
-            <a:ext uri="{909E8E84-426E-40DD-AFC4-6F175D3DCCD1}">
-              <a14:hiddenFill xmlns:a14="http://schemas.microsoft.com/office/drawing/2010/main">
-                <a:solidFill>
-                  <a:srgbClr val="FFFFFF"/>
-                </a:solidFill>
-              </a14:hiddenFill>
-            </a:ext>
-            <a:ext uri="{91240B29-F687-4F45-9708-019B960494DF}">
-              <a14:hiddenLine xmlns:a14="http://schemas.microsoft.com/office/drawing/2010/main" w="9525">
-                <a:solidFill>
-                  <a:srgbClr val="000000"/>
-                </a:solidFill>
-                <a:miter lim="800000"/>
-                <a:headEnd/>
-                <a:tailEnd/>
-              </a14:hiddenLine>
-            </a:ext>
-            <a:ext uri="{FAA26D3D-D897-4be2-8F04-BA451C77F1D7}">
-              <ma14:placeholderFlag xmlns="" xmlns:ma14="http://schemas.microsoft.com/office/mac/drawingml/2011/main" val="1"/>
+              <ma14:placeholderFlag xmlns:ma14="http://schemas.microsoft.com/office/mac/drawingml/2011/main" xmlns="" val="1"/>
             </a:ext>
           </a:extLst>
         </p:spPr>
@@ -3339,7 +3093,7 @@
               </a14:hiddenLine>
             </a:ext>
             <a:ext uri="{FAA26D3D-D897-4be2-8F04-BA451C77F1D7}">
-              <ma14:placeholderFlag xmlns="" xmlns:ma14="http://schemas.microsoft.com/office/mac/drawingml/2011/main" val="1"/>
+              <ma14:placeholderFlag xmlns:ma14="http://schemas.microsoft.com/office/mac/drawingml/2011/main" xmlns="" val="1"/>
             </a:ext>
           </a:extLst>
         </p:spPr>
@@ -3433,7 +3187,7 @@
             <a:fld id="{14E24DB0-02DB-BC48-B5B6-15F616751D32}" type="slidenum">
               <a:rPr lang="en-US" smtClean="0"/>
               <a:pPr/>
-              <a:t>3</a:t>
+              <a:t>4</a:t>
             </a:fld>
             <a:endParaRPr lang="en-US"/>
           </a:p>
@@ -3618,7 +3372,7 @@
                 <a:latin typeface="Tahoma" charset="0"/>
               </a:rPr>
               <a:pPr eaLnBrk="1" hangingPunct="1"/>
-              <a:t>4</a:t>
+              <a:t>5</a:t>
             </a:fld>
             <a:endParaRPr lang="en-US">
               <a:latin typeface="Tahoma" charset="0"/>
@@ -3672,7 +3426,7 @@
               </a14:hiddenLine>
             </a:ext>
             <a:ext uri="{FAA26D3D-D897-4be2-8F04-BA451C77F1D7}">
-              <ma14:placeholderFlag xmlns="" xmlns:ma14="http://schemas.microsoft.com/office/mac/drawingml/2011/main" val="1"/>
+              <ma14:placeholderFlag xmlns:ma14="http://schemas.microsoft.com/office/mac/drawingml/2011/main" xmlns="" val="1"/>
             </a:ext>
           </a:extLst>
         </p:spPr>
@@ -3766,7 +3520,7 @@
             <a:fld id="{14E24DB0-02DB-BC48-B5B6-15F616751D32}" type="slidenum">
               <a:rPr lang="en-US" smtClean="0"/>
               <a:pPr/>
-              <a:t>5</a:t>
+              <a:t>6</a:t>
             </a:fld>
             <a:endParaRPr lang="en-US"/>
           </a:p>
@@ -3951,7 +3705,7 @@
                 <a:latin typeface="Tahoma" charset="0"/>
               </a:rPr>
               <a:pPr eaLnBrk="1" hangingPunct="1"/>
-              <a:t>6</a:t>
+              <a:t>7</a:t>
             </a:fld>
             <a:endParaRPr lang="en-US">
               <a:latin typeface="Tahoma" charset="0"/>
@@ -4005,7 +3759,7 @@
               </a14:hiddenLine>
             </a:ext>
             <a:ext uri="{FAA26D3D-D897-4be2-8F04-BA451C77F1D7}">
-              <ma14:placeholderFlag xmlns="" xmlns:ma14="http://schemas.microsoft.com/office/mac/drawingml/2011/main" val="1"/>
+              <ma14:placeholderFlag xmlns:ma14="http://schemas.microsoft.com/office/mac/drawingml/2011/main" xmlns="" val="1"/>
             </a:ext>
           </a:extLst>
         </p:spPr>
@@ -4199,7 +3953,7 @@
                 <a:latin typeface="Tahoma" charset="0"/>
               </a:rPr>
               <a:pPr eaLnBrk="1" hangingPunct="1"/>
-              <a:t>7</a:t>
+              <a:t>8</a:t>
             </a:fld>
             <a:endParaRPr lang="en-US">
               <a:latin typeface="Tahoma" charset="0"/>
@@ -4253,7 +4007,7 @@
               </a14:hiddenLine>
             </a:ext>
             <a:ext uri="{FAA26D3D-D897-4be2-8F04-BA451C77F1D7}">
-              <ma14:placeholderFlag xmlns="" xmlns:ma14="http://schemas.microsoft.com/office/mac/drawingml/2011/main" val="1"/>
+              <ma14:placeholderFlag xmlns:ma14="http://schemas.microsoft.com/office/mac/drawingml/2011/main" xmlns="" val="1"/>
             </a:ext>
           </a:extLst>
         </p:spPr>
@@ -4447,7 +4201,7 @@
                 <a:latin typeface="Tahoma" charset="0"/>
               </a:rPr>
               <a:pPr eaLnBrk="1" hangingPunct="1"/>
-              <a:t>8</a:t>
+              <a:t>9</a:t>
             </a:fld>
             <a:endParaRPr lang="en-US">
               <a:latin typeface="Tahoma" charset="0"/>
@@ -4501,7 +4255,7 @@
               </a14:hiddenLine>
             </a:ext>
             <a:ext uri="{FAA26D3D-D897-4be2-8F04-BA451C77F1D7}">
-              <ma14:placeholderFlag xmlns="" xmlns:ma14="http://schemas.microsoft.com/office/mac/drawingml/2011/main" val="1"/>
+              <ma14:placeholderFlag xmlns:ma14="http://schemas.microsoft.com/office/mac/drawingml/2011/main" xmlns="" val="1"/>
             </a:ext>
           </a:extLst>
         </p:spPr>
@@ -4695,7 +4449,7 @@
                 <a:latin typeface="Tahoma" charset="0"/>
               </a:rPr>
               <a:pPr eaLnBrk="1" hangingPunct="1"/>
-              <a:t>9</a:t>
+              <a:t>11</a:t>
             </a:fld>
             <a:endParaRPr lang="en-US">
               <a:latin typeface="Tahoma" charset="0"/>
@@ -4749,7 +4503,7 @@
               </a14:hiddenLine>
             </a:ext>
             <a:ext uri="{FAA26D3D-D897-4be2-8F04-BA451C77F1D7}">
-              <ma14:placeholderFlag xmlns="" xmlns:ma14="http://schemas.microsoft.com/office/mac/drawingml/2011/main" val="1"/>
+              <ma14:placeholderFlag xmlns:ma14="http://schemas.microsoft.com/office/mac/drawingml/2011/main" xmlns="" val="1"/>
             </a:ext>
           </a:extLst>
         </p:spPr>
@@ -13401,9 +13155,9 @@
       </p:grpSpPr>
       <p:sp>
         <p:nvSpPr>
-          <p:cNvPr id="16386" name="Rectangle 7"/>
-          <p:cNvSpPr>
-            <a:spLocks noGrp="1" noChangeArrowheads="1"/>
+          <p:cNvPr id="2" name="Title 1"/>
+          <p:cNvSpPr>
+            <a:spLocks noGrp="1"/>
           </p:cNvSpPr>
           <p:nvPr>
             <p:ph type="title"/>
@@ -13415,8 +13169,10 @@
           <a:lstStyle/>
           <a:p>
             <a:r>
-              <a:rPr lang="en-US" dirty="0" smtClean="0"/>
-              <a:t>International standards bodies</a:t>
+              <a:rPr lang="en-US" dirty="0">
+                <a:latin typeface="Calibri" charset="0"/>
+              </a:rPr>
+              <a:t>Standards development</a:t>
             </a:r>
             <a:endParaRPr lang="en-US" dirty="0"/>
           </a:p>
@@ -13424,9 +13180,9 @@
       </p:sp>
       <p:sp>
         <p:nvSpPr>
-          <p:cNvPr id="16387" name="Rectangle 8"/>
-          <p:cNvSpPr>
-            <a:spLocks noGrp="1" noChangeArrowheads="1"/>
+          <p:cNvPr id="3" name="Content Placeholder 2"/>
+          <p:cNvSpPr>
+            <a:spLocks noGrp="1"/>
           </p:cNvSpPr>
           <p:nvPr>
             <p:ph idx="1"/>
@@ -13440,42 +13196,83 @@
           <a:lstStyle/>
           <a:p>
             <a:r>
-              <a:rPr lang="en-US" dirty="0" smtClean="0"/>
-              <a:t>International Organization for Standardization (ISO)</a:t>
+              <a:rPr lang="en-US" dirty="0"/>
+              <a:t>Overview of processes and organizations (Marshall, 2009)</a:t>
+            </a:r>
+          </a:p>
+          <a:p>
+            <a:r>
+              <a:rPr lang="en-US" dirty="0"/>
+              <a:t>Health IT Standards 101 – another overview (Boone)</a:t>
             </a:r>
           </a:p>
           <a:p>
             <a:pPr lvl="1"/>
             <a:r>
-              <a:rPr lang="en-US" dirty="0" smtClean="0"/>
-              <a:t>Technical Committee 215 (TC 215) focuses on health informatics standards</a:t>
-            </a:r>
-          </a:p>
-          <a:p>
-            <a:r>
-              <a:rPr lang="en-US" dirty="0" smtClean="0"/>
-              <a:t>European Committee for Standardization (CEN)</a:t>
+              <a:rPr lang="en-US" dirty="0"/>
+              <a:t>http://motorcycleguy.blogspot.com/2012/04/healthit-standards-101.html </a:t>
+            </a:r>
+          </a:p>
+          <a:p>
+            <a:r>
+              <a:rPr lang="en-US" dirty="0"/>
+              <a:t>Stages of development (Hammond, 2014)</a:t>
             </a:r>
           </a:p>
           <a:p>
             <a:pPr lvl="1"/>
             <a:r>
-              <a:rPr lang="en-US" dirty="0" smtClean="0"/>
-              <a:t>CEN/TC 251 is health informatics standards body for Europe</a:t>
-            </a:r>
-          </a:p>
-          <a:p>
-            <a:r>
-              <a:rPr lang="en-US" dirty="0" smtClean="0"/>
-              <a:t>International Telecommunication Union (ITU) – UN agency focused on telecommunications standards (general, not medical)</a:t>
-            </a:r>
-            <a:endParaRPr lang="en-US" dirty="0"/>
-          </a:p>
-        </p:txBody>
-      </p:sp>
-      <p:sp>
-        <p:nvSpPr>
-          <p:cNvPr id="2" name="Content Placeholder 1"/>
+              <a:rPr lang="en-US" dirty="0"/>
+              <a:t>Identification</a:t>
+            </a:r>
+          </a:p>
+          <a:p>
+            <a:pPr lvl="1"/>
+            <a:r>
+              <a:rPr lang="en-US" dirty="0"/>
+              <a:t>Conceptualization</a:t>
+            </a:r>
+          </a:p>
+          <a:p>
+            <a:pPr lvl="1"/>
+            <a:r>
+              <a:rPr lang="en-US" dirty="0"/>
+              <a:t>Discussion</a:t>
+            </a:r>
+          </a:p>
+          <a:p>
+            <a:pPr lvl="1"/>
+            <a:r>
+              <a:rPr lang="en-US" dirty="0"/>
+              <a:t>Specification</a:t>
+            </a:r>
+          </a:p>
+          <a:p>
+            <a:pPr lvl="1"/>
+            <a:r>
+              <a:rPr lang="en-US" dirty="0"/>
+              <a:t>Early implementation</a:t>
+            </a:r>
+          </a:p>
+          <a:p>
+            <a:pPr lvl="1"/>
+            <a:r>
+              <a:rPr lang="en-US" dirty="0"/>
+              <a:t>Conformance</a:t>
+            </a:r>
+          </a:p>
+          <a:p>
+            <a:pPr lvl="1"/>
+            <a:r>
+              <a:rPr lang="en-US" dirty="0"/>
+              <a:t>Certification</a:t>
+            </a:r>
+          </a:p>
+        </p:txBody>
+      </p:sp>
+      <p:sp>
+        <p:nvSpPr>
+          <p:cNvPr id="4" name="Content Placeholder 3"/>
           <p:cNvSpPr>
             <a:spLocks noGrp="1"/>
           </p:cNvSpPr>
@@ -13496,18 +13293,15 @@
     <p:custDataLst>
       <p:tags r:id="rId1"/>
     </p:custDataLst>
+    <p:extLst>
+      <p:ext uri="{BB962C8B-B14F-4D97-AF65-F5344CB8AC3E}">
+        <p14:creationId xmlns:p14="http://schemas.microsoft.com/office/powerpoint/2010/main" val="326581799"/>
+      </p:ext>
+    </p:extLst>
   </p:cSld>
   <p:clrMapOvr>
     <a:masterClrMapping/>
   </p:clrMapOvr>
-  <p:transition/>
-  <p:timing>
-    <p:tnLst>
-      <p:par>
-        <p:cTn id="1" dur="indefinite" restart="never" nodeType="tmRoot"/>
-      </p:par>
-    </p:tnLst>
-  </p:timing>
 </p:sld>
 </file>
 
@@ -13530,41 +13324,12 @@
       </p:grpSpPr>
       <p:sp>
         <p:nvSpPr>
-          <p:cNvPr id="17410" name="Rectangle 2"/>
+          <p:cNvPr id="15362" name="Rectangle 7"/>
           <p:cNvSpPr>
             <a:spLocks noGrp="1" noChangeArrowheads="1"/>
           </p:cNvSpPr>
           <p:nvPr>
             <p:ph type="title"/>
-          </p:nvPr>
-        </p:nvSpPr>
-        <p:spPr/>
-        <p:txBody>
-          <a:bodyPr>
-            <a:normAutofit fontScale="90000"/>
-          </a:bodyPr>
-          <a:lstStyle/>
-          <a:p>
-            <a:pPr>
-              <a:defRPr/>
-            </a:pPr>
-            <a:r>
-              <a:rPr lang="en-US" dirty="0" smtClean="0">
-                <a:ea typeface="+mj-ea"/>
-              </a:rPr>
-              <a:t>US government health information standards leadership efforts</a:t>
-            </a:r>
-          </a:p>
-        </p:txBody>
-      </p:sp>
-      <p:sp>
-        <p:nvSpPr>
-          <p:cNvPr id="17411" name="Rectangle 3"/>
-          <p:cNvSpPr>
-            <a:spLocks noGrp="1" noChangeArrowheads="1"/>
-          </p:cNvSpPr>
-          <p:nvPr>
-            <p:ph idx="1"/>
           </p:nvPr>
         </p:nvSpPr>
         <p:spPr/>
@@ -13574,82 +13339,56 @@
           </a:bodyPr>
           <a:lstStyle/>
           <a:p>
-            <a:pPr>
-              <a:defRPr/>
-            </a:pPr>
-            <a:r>
-              <a:rPr lang="en-US" dirty="0" smtClean="0">
-                <a:ea typeface="+mn-ea"/>
-              </a:rPr>
-              <a:t>A number of approaches over last decade</a:t>
-            </a:r>
-          </a:p>
-          <a:p>
-            <a:pPr lvl="1">
-              <a:defRPr/>
-            </a:pPr>
-            <a:r>
-              <a:rPr lang="en-US" dirty="0" smtClean="0">
-                <a:ea typeface="+mn-ea"/>
-              </a:rPr>
-              <a:t>Consolidated Health Informatics (CHI) initiative – effort to adopt ready standards by health-related US government agencies</a:t>
-            </a:r>
-          </a:p>
-          <a:p>
-            <a:pPr lvl="1">
-              <a:defRPr/>
-            </a:pPr>
-            <a:r>
-              <a:rPr lang="en-US" dirty="0" smtClean="0">
-                <a:ea typeface="+mn-ea"/>
-              </a:rPr>
-              <a:t>Healthcare Information Technology Standards Panel (HITSP) of the Office of the National Coordinator for Health IT (ONC) – effort to identify ready standards and gaps needing to be filled</a:t>
-            </a:r>
-          </a:p>
-          <a:p>
-            <a:pPr lvl="1">
-              <a:defRPr/>
-            </a:pPr>
-            <a:r>
-              <a:rPr lang="en-US" dirty="0" smtClean="0">
-                <a:ea typeface="+mn-ea"/>
-              </a:rPr>
-              <a:t>National Institute for Standards and Technology (NIST) – focused on </a:t>
-            </a:r>
-            <a:r>
-              <a:rPr lang="en-US" dirty="0">
-                <a:ea typeface="+mn-ea"/>
-              </a:rPr>
-              <a:t>efforts supporting </a:t>
-            </a:r>
-            <a:r>
-              <a:rPr lang="en-US" dirty="0" smtClean="0">
-                <a:ea typeface="+mn-ea"/>
-              </a:rPr>
-              <a:t>ONC </a:t>
-            </a:r>
-          </a:p>
-          <a:p>
-            <a:pPr lvl="1">
-              <a:defRPr/>
-            </a:pPr>
-            <a:r>
-              <a:rPr lang="en-US" dirty="0" smtClean="0">
-                <a:ea typeface="+mn-ea"/>
-              </a:rPr>
-              <a:t>National Library of Medicine (NLM) – efforts mostly around insuring terminology standards support messaging standards efforts (e.g., HL7)</a:t>
-            </a:r>
-          </a:p>
-          <a:p>
-            <a:pPr>
-              <a:defRPr/>
-            </a:pPr>
-            <a:r>
-              <a:rPr lang="en-US" dirty="0" smtClean="0">
-                <a:ea typeface="+mn-ea"/>
-              </a:rPr>
-              <a:t>All standards work now being led by ONC Health IT Standards Committee</a:t>
-            </a:r>
+            <a:r>
+              <a:rPr lang="en-US" dirty="0" smtClean="0"/>
+              <a:t>Some US standards bodies (private, non-profit)</a:t>
+            </a:r>
+          </a:p>
+        </p:txBody>
+      </p:sp>
+      <p:sp>
+        <p:nvSpPr>
+          <p:cNvPr id="15363" name="Rectangle 8"/>
+          <p:cNvSpPr>
+            <a:spLocks noGrp="1" noChangeArrowheads="1"/>
+          </p:cNvSpPr>
+          <p:nvPr>
+            <p:ph idx="1"/>
+          </p:nvPr>
+        </p:nvSpPr>
+        <p:spPr/>
+        <p:txBody>
+          <a:bodyPr>
+            <a:normAutofit/>
+          </a:bodyPr>
+          <a:lstStyle/>
+          <a:p>
+            <a:r>
+              <a:rPr lang="en-US" dirty="0" smtClean="0"/>
+              <a:t>American National Standards Institute (ANSI) that accredits standards development organizations (SDOs), including in healthcare</a:t>
+            </a:r>
+          </a:p>
+          <a:p>
+            <a:pPr lvl="1"/>
+            <a:r>
+              <a:rPr lang="en-US" dirty="0" smtClean="0"/>
+              <a:t>Accredited Standards Committee (ASC) X12</a:t>
+            </a:r>
+          </a:p>
+          <a:p>
+            <a:pPr lvl="1"/>
+            <a:r>
+              <a:rPr lang="en-US" dirty="0" smtClean="0"/>
+              <a:t>Health Level 7 (HL7)</a:t>
+            </a:r>
+          </a:p>
+          <a:p>
+            <a:pPr lvl="1"/>
+            <a:r>
+              <a:rPr lang="en-US" dirty="0" smtClean="0"/>
+              <a:t>American Society for Testing and Materials (ASTM), which has a Committee E31 on Healthcare Informatics</a:t>
+            </a:r>
+            <a:endParaRPr lang="en-US" dirty="0"/>
           </a:p>
         </p:txBody>
       </p:sp>
@@ -13680,6 +13419,7 @@
   <p:clrMapOvr>
     <a:masterClrMapping/>
   </p:clrMapOvr>
+  <p:transition/>
   <p:timing>
     <p:tnLst>
       <p:par>
@@ -13709,9 +13449,9 @@
       </p:grpSpPr>
       <p:sp>
         <p:nvSpPr>
-          <p:cNvPr id="20482" name="Title 1"/>
-          <p:cNvSpPr>
-            <a:spLocks noGrp="1"/>
+          <p:cNvPr id="16386" name="Rectangle 7"/>
+          <p:cNvSpPr>
+            <a:spLocks noGrp="1" noChangeArrowheads="1"/>
           </p:cNvSpPr>
           <p:nvPr>
             <p:ph type="title"/>
@@ -13724,7 +13464,7 @@
           <a:p>
             <a:r>
               <a:rPr lang="en-US" dirty="0" smtClean="0"/>
-              <a:t>Health IT Standards Committee</a:t>
+              <a:t>International standards bodies</a:t>
             </a:r>
             <a:endParaRPr lang="en-US" dirty="0"/>
           </a:p>
@@ -13732,9 +13472,9 @@
       </p:sp>
       <p:sp>
         <p:nvSpPr>
-          <p:cNvPr id="3" name="Content Placeholder 2"/>
-          <p:cNvSpPr>
-            <a:spLocks noGrp="1"/>
+          <p:cNvPr id="16387" name="Rectangle 8"/>
+          <p:cNvSpPr>
+            <a:spLocks noGrp="1" noChangeArrowheads="1"/>
           </p:cNvSpPr>
           <p:nvPr>
             <p:ph idx="1"/>
@@ -13749,66 +13489,36 @@
           <a:p>
             <a:r>
               <a:rPr lang="en-US" dirty="0" smtClean="0"/>
-              <a:t>Charged with making recommendations to ONC on “standards, implementation specifications, and certification criteria for electronic exchange and use of health information”</a:t>
-            </a:r>
-          </a:p>
-          <a:p>
+              <a:t>International Organization for Standardization (ISO)</a:t>
+            </a:r>
+          </a:p>
+          <a:p>
+            <a:pPr lvl="1"/>
             <a:r>
               <a:rPr lang="en-US" dirty="0" smtClean="0"/>
-              <a:t>Timeline of recent activities</a:t>
+              <a:t>Technical Committee 215 (TC 215) focuses on health informatics standards</a:t>
+            </a:r>
+          </a:p>
+          <a:p>
+            <a:r>
+              <a:rPr lang="en-US" dirty="0" smtClean="0"/>
+              <a:t>European Committee for Standardization (CEN)</a:t>
             </a:r>
           </a:p>
           <a:p>
             <a:pPr lvl="1"/>
             <a:r>
               <a:rPr lang="en-US" dirty="0" smtClean="0"/>
-              <a:t>JASON report calls for move to more “modern” API-based approaches to interoperability </a:t>
-            </a:r>
-          </a:p>
-          <a:p>
-            <a:pPr lvl="1"/>
+              <a:t>CEN/TC 251 is health informatics standards body for Europe</a:t>
+            </a:r>
+          </a:p>
+          <a:p>
             <a:r>
               <a:rPr lang="en-US" dirty="0" smtClean="0"/>
-              <a:t>ONC establishes JASON Task Force to respond to recommendations and develops evolving plans and documents</a:t>
-            </a:r>
-          </a:p>
-          <a:p>
-            <a:pPr lvl="2"/>
-            <a:r>
-              <a:rPr lang="en-US" dirty="0" smtClean="0"/>
-              <a:t>Interoperability Vision (2014) – vision and framework</a:t>
-            </a:r>
-          </a:p>
-          <a:p>
-            <a:pPr lvl="2"/>
-            <a:r>
-              <a:rPr lang="en-US" dirty="0"/>
-              <a:t>Interoperability </a:t>
-            </a:r>
-            <a:r>
-              <a:rPr lang="en-US" dirty="0" smtClean="0"/>
-              <a:t>Roadmap (2015) – how to get there</a:t>
-            </a:r>
-          </a:p>
-          <a:p>
-            <a:pPr lvl="2"/>
-            <a:r>
-              <a:rPr lang="en-US" dirty="0"/>
-              <a:t>Argonaut Project (2014</a:t>
-            </a:r>
-            <a:r>
-              <a:rPr lang="en-US" dirty="0" smtClean="0"/>
-              <a:t>) – implementing details</a:t>
+              <a:t>International Telecommunication Union (ITU) – UN agency focused on telecommunications standards (general, not medical)</a:t>
             </a:r>
             <a:endParaRPr lang="en-US" dirty="0"/>
           </a:p>
-          <a:p>
-            <a:pPr lvl="2"/>
-            <a:r>
-              <a:rPr lang="en-US" dirty="0" smtClean="0"/>
-              <a:t>Standards Advisory (2015) – standards ready for use</a:t>
-            </a:r>
-          </a:p>
         </p:txBody>
       </p:sp>
       <p:sp>
@@ -13821,23 +13531,12 @@
             <p:ph sz="quarter" idx="14"/>
           </p:nvPr>
         </p:nvSpPr>
-        <p:spPr>
-          <a:xfrm>
-            <a:off x="7696200" y="6431664"/>
-            <a:ext cx="1295400" cy="197736"/>
-          </a:xfrm>
-        </p:spPr>
+        <p:spPr/>
         <p:txBody>
           <a:bodyPr/>
           <a:lstStyle/>
           <a:p>
-            <a:r>
-              <a:rPr lang="en-US" dirty="0"/>
-              <a:t>(MITRE, 2014)</a:t>
-            </a:r>
-          </a:p>
-          <a:p>
-            <a:endParaRPr lang="en-US" dirty="0"/>
+            <a:endParaRPr lang="en-US"/>
           </a:p>
         </p:txBody>
       </p:sp>
@@ -13849,6 +13548,7 @@
   <p:clrMapOvr>
     <a:masterClrMapping/>
   </p:clrMapOvr>
+  <p:transition/>
   <p:timing>
     <p:tnLst>
       <p:par>
@@ -13878,12 +13578,41 @@
       </p:grpSpPr>
       <p:sp>
         <p:nvSpPr>
-          <p:cNvPr id="2" name="Title 1"/>
-          <p:cNvSpPr>
-            <a:spLocks noGrp="1"/>
+          <p:cNvPr id="17410" name="Rectangle 2"/>
+          <p:cNvSpPr>
+            <a:spLocks noGrp="1" noChangeArrowheads="1"/>
           </p:cNvSpPr>
           <p:nvPr>
             <p:ph type="title"/>
+          </p:nvPr>
+        </p:nvSpPr>
+        <p:spPr/>
+        <p:txBody>
+          <a:bodyPr>
+            <a:normAutofit fontScale="90000"/>
+          </a:bodyPr>
+          <a:lstStyle/>
+          <a:p>
+            <a:pPr>
+              <a:defRPr/>
+            </a:pPr>
+            <a:r>
+              <a:rPr lang="en-US" dirty="0" smtClean="0">
+                <a:ea typeface="+mj-ea"/>
+              </a:rPr>
+              <a:t>US government health information standards leadership efforts</a:t>
+            </a:r>
+          </a:p>
+        </p:txBody>
+      </p:sp>
+      <p:sp>
+        <p:nvSpPr>
+          <p:cNvPr id="17411" name="Rectangle 3"/>
+          <p:cNvSpPr>
+            <a:spLocks noGrp="1" noChangeArrowheads="1"/>
+          </p:cNvSpPr>
+          <p:nvPr>
+            <p:ph idx="1"/>
           </p:nvPr>
         </p:nvSpPr>
         <p:spPr/>
@@ -13893,54 +13622,88 @@
           </a:bodyPr>
           <a:lstStyle/>
           <a:p>
-            <a:r>
-              <a:rPr lang="en-US" dirty="0" smtClean="0"/>
-              <a:t>Overview of </a:t>
-            </a:r>
-            <a:r>
-              <a:rPr lang="en-US" dirty="0"/>
-              <a:t>I</a:t>
-            </a:r>
-            <a:r>
-              <a:rPr lang="en-US" dirty="0" smtClean="0"/>
-              <a:t>nteroperability Roadmap</a:t>
-            </a:r>
-            <a:endParaRPr lang="en-US" dirty="0"/>
-          </a:p>
-        </p:txBody>
-      </p:sp>
-      <p:pic>
-        <p:nvPicPr>
-          <p:cNvPr id="5" name="Content Placeholder 4"/>
-          <p:cNvPicPr>
-            <a:picLocks noGrp="1" noChangeAspect="1"/>
-          </p:cNvPicPr>
-          <p:nvPr>
-            <p:ph idx="1"/>
-          </p:nvPr>
-        </p:nvPicPr>
-        <p:blipFill>
-          <a:blip r:embed="rId4">
-            <a:extLst>
-              <a:ext uri="{28A0092B-C50C-407E-A947-70E740481C1C}">
-                <a14:useLocalDpi xmlns:a14="http://schemas.microsoft.com/office/drawing/2010/main" val="0"/>
-              </a:ext>
-            </a:extLst>
-          </a:blip>
-          <a:stretch>
-            <a:fillRect/>
-          </a:stretch>
-        </p:blipFill>
-        <p:spPr>
-          <a:xfrm>
-            <a:off x="1438275" y="1981200"/>
-            <a:ext cx="6267450" cy="3733800"/>
-          </a:xfrm>
-        </p:spPr>
-      </p:pic>
-      <p:sp>
-        <p:nvSpPr>
-          <p:cNvPr id="7" name="Content Placeholder 6"/>
+            <a:pPr>
+              <a:defRPr/>
+            </a:pPr>
+            <a:r>
+              <a:rPr lang="en-US" dirty="0" smtClean="0">
+                <a:ea typeface="+mn-ea"/>
+              </a:rPr>
+              <a:t>A number of approaches over last decade</a:t>
+            </a:r>
+          </a:p>
+          <a:p>
+            <a:pPr lvl="1">
+              <a:defRPr/>
+            </a:pPr>
+            <a:r>
+              <a:rPr lang="en-US" dirty="0" smtClean="0">
+                <a:ea typeface="+mn-ea"/>
+              </a:rPr>
+              <a:t>Consolidated Health Informatics (CHI) initiative – effort to adopt ready standards by health-related US government agencies</a:t>
+            </a:r>
+          </a:p>
+          <a:p>
+            <a:pPr lvl="1">
+              <a:defRPr/>
+            </a:pPr>
+            <a:r>
+              <a:rPr lang="en-US" dirty="0" smtClean="0">
+                <a:ea typeface="+mn-ea"/>
+              </a:rPr>
+              <a:t>Healthcare Information Technology Standards Panel (HITSP) of the Office of the National Coordinator for Health IT (ONC) – effort to identify ready standards and gaps needing to be filled</a:t>
+            </a:r>
+          </a:p>
+          <a:p>
+            <a:pPr lvl="1">
+              <a:defRPr/>
+            </a:pPr>
+            <a:r>
+              <a:rPr lang="en-US" dirty="0" smtClean="0">
+                <a:ea typeface="+mn-ea"/>
+              </a:rPr>
+              <a:t>National Institute for Standards and Technology (NIST) – focused on </a:t>
+            </a:r>
+            <a:r>
+              <a:rPr lang="en-US" dirty="0">
+                <a:ea typeface="+mn-ea"/>
+              </a:rPr>
+              <a:t>efforts supporting </a:t>
+            </a:r>
+            <a:r>
+              <a:rPr lang="en-US" dirty="0" smtClean="0">
+                <a:ea typeface="+mn-ea"/>
+              </a:rPr>
+              <a:t>ONC </a:t>
+            </a:r>
+          </a:p>
+          <a:p>
+            <a:pPr lvl="1">
+              <a:defRPr/>
+            </a:pPr>
+            <a:r>
+              <a:rPr lang="en-US" dirty="0" smtClean="0">
+                <a:ea typeface="+mn-ea"/>
+              </a:rPr>
+              <a:t>National Library of Medicine (NLM) – efforts mostly around insuring terminology standards support messaging standards efforts (e.g., HL7)</a:t>
+            </a:r>
+          </a:p>
+          <a:p>
+            <a:pPr>
+              <a:defRPr/>
+            </a:pPr>
+            <a:r>
+              <a:rPr lang="en-US" dirty="0" smtClean="0">
+                <a:ea typeface="+mn-ea"/>
+              </a:rPr>
+              <a:t>All standards work now being led by ONC Health IT Standards Committee</a:t>
+            </a:r>
+          </a:p>
+        </p:txBody>
+      </p:sp>
+      <p:sp>
+        <p:nvSpPr>
+          <p:cNvPr id="2" name="Content Placeholder 1"/>
           <p:cNvSpPr>
             <a:spLocks noGrp="1"/>
           </p:cNvSpPr>
@@ -13961,11 +13724,6 @@
     <p:custDataLst>
       <p:tags r:id="rId1"/>
     </p:custDataLst>
-    <p:extLst>
-      <p:ext uri="{BB962C8B-B14F-4D97-AF65-F5344CB8AC3E}">
-        <p14:creationId xmlns:p14="http://schemas.microsoft.com/office/powerpoint/2010/main" val="865727636"/>
-      </p:ext>
-    </p:extLst>
   </p:cSld>
   <p:clrMapOvr>
     <a:masterClrMapping/>
@@ -13999,7 +13757,7 @@
       </p:grpSpPr>
       <p:sp>
         <p:nvSpPr>
-          <p:cNvPr id="22530" name="Title 1"/>
+          <p:cNvPr id="20482" name="Title 1"/>
           <p:cNvSpPr>
             <a:spLocks noGrp="1"/>
           </p:cNvSpPr>
@@ -14014,7 +13772,7 @@
           <a:p>
             <a:r>
               <a:rPr lang="en-US" dirty="0" smtClean="0"/>
-              <a:t>Underpinnings of Roadmap</a:t>
+              <a:t>Health IT Standards Committee</a:t>
             </a:r>
             <a:endParaRPr lang="en-US" dirty="0"/>
           </a:p>
@@ -14022,7 +13780,7 @@
       </p:sp>
       <p:sp>
         <p:nvSpPr>
-          <p:cNvPr id="5" name="Content Placeholder 4"/>
+          <p:cNvPr id="3" name="Content Placeholder 2"/>
           <p:cNvSpPr>
             <a:spLocks noGrp="1"/>
           </p:cNvSpPr>
@@ -14031,57 +13789,87 @@
           </p:nvPr>
         </p:nvSpPr>
         <p:spPr/>
+        <p:txBody>
+          <a:bodyPr>
+            <a:normAutofit/>
+          </a:bodyPr>
+          <a:lstStyle/>
+          <a:p>
+            <a:r>
+              <a:rPr lang="en-US" dirty="0" smtClean="0"/>
+              <a:t>Charged with making recommendations to ONC on “standards, implementation specifications, and certification criteria for electronic exchange and use of health information”</a:t>
+            </a:r>
+          </a:p>
+          <a:p>
+            <a:r>
+              <a:rPr lang="en-US" dirty="0" smtClean="0"/>
+              <a:t>Timeline of recent activities</a:t>
+            </a:r>
+          </a:p>
+          <a:p>
+            <a:pPr lvl="1"/>
+            <a:r>
+              <a:rPr lang="en-US" dirty="0" smtClean="0"/>
+              <a:t>JASON report calls for move to more “modern” API-based approaches to interoperability </a:t>
+            </a:r>
+          </a:p>
+          <a:p>
+            <a:pPr lvl="2"/>
+            <a:r>
+              <a:rPr lang="en-US" dirty="0" smtClean="0"/>
+              <a:t>ONC establishes JASON Task Force to respond to recommendations and develops evolving plans and documents</a:t>
+            </a:r>
+          </a:p>
+          <a:p>
+            <a:pPr lvl="1"/>
+            <a:r>
+              <a:rPr lang="en-US" dirty="0" smtClean="0"/>
+              <a:t>Interoperability Vision (2014) – vision and framework</a:t>
+            </a:r>
+          </a:p>
+          <a:p>
+            <a:pPr lvl="1"/>
+            <a:r>
+              <a:rPr lang="en-US" dirty="0"/>
+              <a:t>Interoperability </a:t>
+            </a:r>
+            <a:r>
+              <a:rPr lang="en-US" dirty="0" smtClean="0"/>
+              <a:t>Roadmap (2015) – how to get there</a:t>
+            </a:r>
+          </a:p>
+        </p:txBody>
+      </p:sp>
+      <p:sp>
+        <p:nvSpPr>
+          <p:cNvPr id="2" name="Content Placeholder 1"/>
+          <p:cNvSpPr>
+            <a:spLocks noGrp="1"/>
+          </p:cNvSpPr>
+          <p:nvPr>
+            <p:ph sz="quarter" idx="14"/>
+          </p:nvPr>
+        </p:nvSpPr>
+        <p:spPr>
+          <a:xfrm>
+            <a:off x="7696200" y="6431664"/>
+            <a:ext cx="1295400" cy="197736"/>
+          </a:xfrm>
+        </p:spPr>
         <p:txBody>
           <a:bodyPr/>
           <a:lstStyle/>
           <a:p>
-            <a:endParaRPr lang="en-US"/>
-          </a:p>
-        </p:txBody>
-      </p:sp>
-      <p:sp>
-        <p:nvSpPr>
-          <p:cNvPr id="6" name="Content Placeholder 5"/>
-          <p:cNvSpPr>
-            <a:spLocks noGrp="1"/>
-          </p:cNvSpPr>
-          <p:nvPr>
-            <p:ph sz="quarter" idx="14"/>
-          </p:nvPr>
-        </p:nvSpPr>
-        <p:spPr/>
-        <p:txBody>
-          <a:bodyPr/>
-          <a:lstStyle/>
-          <a:p>
-            <a:endParaRPr lang="en-US"/>
-          </a:p>
-        </p:txBody>
-      </p:sp>
-      <p:pic>
-        <p:nvPicPr>
-          <p:cNvPr id="2" name="Picture 1"/>
-          <p:cNvPicPr>
-            <a:picLocks noChangeAspect="1"/>
-          </p:cNvPicPr>
-          <p:nvPr/>
-        </p:nvPicPr>
-        <p:blipFill>
-          <a:blip r:embed="rId4"/>
-          <a:stretch>
-            <a:fillRect/>
-          </a:stretch>
-        </p:blipFill>
-        <p:spPr>
-          <a:xfrm>
-            <a:off x="838200" y="1752600"/>
-            <a:ext cx="7467600" cy="4664378"/>
-          </a:xfrm>
-          <a:prstGeom prst="rect">
-            <a:avLst/>
-          </a:prstGeom>
-        </p:spPr>
-      </p:pic>
+            <a:r>
+              <a:rPr lang="en-US" dirty="0"/>
+              <a:t>(MITRE, 2014)</a:t>
+            </a:r>
+          </a:p>
+          <a:p>
+            <a:endParaRPr lang="en-US" dirty="0"/>
+          </a:p>
+        </p:txBody>
+      </p:sp>
     </p:spTree>
     <p:custDataLst>
       <p:tags r:id="rId1"/>
@@ -14119,9 +13907,9 @@
       </p:grpSpPr>
       <p:sp>
         <p:nvSpPr>
-          <p:cNvPr id="25602" name="Rectangle 2"/>
-          <p:cNvSpPr>
-            <a:spLocks noGrp="1" noChangeArrowheads="1"/>
+          <p:cNvPr id="2" name="Title 1"/>
+          <p:cNvSpPr>
+            <a:spLocks noGrp="1"/>
           </p:cNvSpPr>
           <p:nvPr>
             <p:ph type="title"/>
@@ -14134,155 +13922,76 @@
           </a:bodyPr>
           <a:lstStyle/>
           <a:p>
-            <a:pPr>
-              <a:defRPr/>
-            </a:pPr>
-            <a:r>
-              <a:rPr lang="en-US" dirty="0" smtClean="0">
-                <a:ea typeface="+mj-ea"/>
-              </a:rPr>
-              <a:t>Integrating the Health Enterprise (IHE)</a:t>
-            </a:r>
-          </a:p>
-        </p:txBody>
-      </p:sp>
-      <p:sp>
-        <p:nvSpPr>
-          <p:cNvPr id="25603" name="Rectangle 3"/>
-          <p:cNvSpPr>
-            <a:spLocks noGrp="1" noChangeArrowheads="1"/>
-          </p:cNvSpPr>
+            <a:r>
+              <a:rPr lang="en-US" dirty="0" smtClean="0"/>
+              <a:t>Overview of </a:t>
+            </a:r>
+            <a:r>
+              <a:rPr lang="en-US" dirty="0"/>
+              <a:t>I</a:t>
+            </a:r>
+            <a:r>
+              <a:rPr lang="en-US" dirty="0" smtClean="0"/>
+              <a:t>nteroperability Roadmap</a:t>
+            </a:r>
+            <a:endParaRPr lang="en-US" dirty="0"/>
+          </a:p>
+        </p:txBody>
+      </p:sp>
+      <p:sp>
+        <p:nvSpPr>
+          <p:cNvPr id="7" name="Content Placeholder 6"/>
+          <p:cNvSpPr>
+            <a:spLocks noGrp="1"/>
+          </p:cNvSpPr>
+          <p:nvPr>
+            <p:ph sz="quarter" idx="14"/>
+          </p:nvPr>
+        </p:nvSpPr>
+        <p:spPr/>
+        <p:txBody>
+          <a:bodyPr/>
+          <a:lstStyle/>
+          <a:p>
+            <a:endParaRPr lang="en-US"/>
+          </a:p>
+        </p:txBody>
+      </p:sp>
+      <p:pic>
+        <p:nvPicPr>
+          <p:cNvPr id="4" name="Content Placeholder 3"/>
+          <p:cNvPicPr>
+            <a:picLocks noGrp="1" noChangeAspect="1"/>
+          </p:cNvPicPr>
           <p:nvPr>
             <p:ph idx="1"/>
           </p:nvPr>
-        </p:nvSpPr>
-        <p:spPr/>
-        <p:txBody>
-          <a:bodyPr>
-            <a:normAutofit/>
-          </a:bodyPr>
-          <a:lstStyle/>
-          <a:p>
-            <a:pPr>
-              <a:defRPr/>
-            </a:pPr>
-            <a:r>
-              <a:rPr lang="en-US" dirty="0" smtClean="0">
-                <a:ea typeface="+mn-ea"/>
-              </a:rPr>
-              <a:t>Non-federal effort that identifies and demonstrates solutions to real-world interoperability problems</a:t>
-            </a:r>
-          </a:p>
-          <a:p>
-            <a:pPr lvl="1">
-              <a:defRPr/>
-            </a:pPr>
-            <a:r>
-              <a:rPr lang="en-US" dirty="0">
-                <a:ea typeface="+mn-ea"/>
-              </a:rPr>
-              <a:t>Organizes interoperability </a:t>
-            </a:r>
-            <a:r>
-              <a:rPr lang="en-US" dirty="0" smtClean="0">
-                <a:ea typeface="+mn-ea"/>
-              </a:rPr>
-              <a:t>showcases to demonstrate solutions</a:t>
-            </a:r>
-            <a:endParaRPr lang="en-US" dirty="0">
-              <a:ea typeface="+mn-ea"/>
-            </a:endParaRPr>
-          </a:p>
-          <a:p>
-            <a:pPr>
-              <a:defRPr/>
-            </a:pPr>
-            <a:r>
-              <a:rPr lang="en-US" dirty="0" smtClean="0">
-                <a:ea typeface="+mn-ea"/>
-              </a:rPr>
-              <a:t>Organized across various clinical and operational domains</a:t>
-            </a:r>
-          </a:p>
-          <a:p>
-            <a:pPr lvl="1">
-              <a:defRPr/>
-            </a:pPr>
-            <a:r>
-              <a:rPr lang="en-US" dirty="0">
-                <a:ea typeface="+mn-ea"/>
-              </a:rPr>
-              <a:t>Each domain produces own set of Technical Framework documents in coordination with other domains</a:t>
-            </a:r>
-          </a:p>
-          <a:p>
-            <a:pPr lvl="1">
-              <a:defRPr/>
-            </a:pPr>
-            <a:r>
-              <a:rPr lang="en-US" dirty="0">
-                <a:ea typeface="+mn-ea"/>
-              </a:rPr>
-              <a:t>Committees in each domain review and republish these documents annually, often expanding with supplements that expand existing or define new profiles</a:t>
-            </a:r>
-          </a:p>
-          <a:p>
-            <a:pPr lvl="1">
-              <a:defRPr/>
-            </a:pPr>
-            <a:r>
-              <a:rPr lang="en-US" dirty="0">
-                <a:ea typeface="+mn-ea"/>
-              </a:rPr>
-              <a:t>Profiles eventually republished for trial implementation; if criteria for successful testing achieved, profile is published in final </a:t>
-            </a:r>
-            <a:r>
-              <a:rPr lang="en-US" dirty="0" smtClean="0">
-                <a:ea typeface="+mn-ea"/>
-              </a:rPr>
-              <a:t>form</a:t>
-            </a:r>
-            <a:endParaRPr lang="en-US" dirty="0">
-              <a:ea typeface="+mn-ea"/>
-            </a:endParaRPr>
-          </a:p>
-        </p:txBody>
-      </p:sp>
-      <p:sp>
-        <p:nvSpPr>
-          <p:cNvPr id="2" name="Content Placeholder 1"/>
-          <p:cNvSpPr>
-            <a:spLocks noGrp="1"/>
-          </p:cNvSpPr>
-          <p:nvPr>
-            <p:ph sz="quarter" idx="14"/>
-          </p:nvPr>
-        </p:nvSpPr>
+        </p:nvPicPr>
+        <p:blipFill>
+          <a:blip r:embed="rId4"/>
+          <a:stretch>
+            <a:fillRect/>
+          </a:stretch>
+        </p:blipFill>
         <p:spPr>
           <a:xfrm>
-            <a:off x="7696200" y="6431664"/>
-            <a:ext cx="1295400" cy="197736"/>
+            <a:off x="837876" y="1478872"/>
+            <a:ext cx="7468247" cy="4663844"/>
           </a:xfrm>
+          <a:prstGeom prst="rect">
+            <a:avLst/>
+          </a:prstGeom>
         </p:spPr>
-        <p:txBody>
-          <a:bodyPr/>
-          <a:lstStyle/>
-          <a:p>
-            <a:r>
-              <a:rPr lang="en-US" dirty="0" smtClean="0"/>
-              <a:t>(Samarth</a:t>
-            </a:r>
-            <a:r>
-              <a:rPr lang="en-US" dirty="0"/>
-              <a:t>, 2013)</a:t>
-            </a:r>
-          </a:p>
-        </p:txBody>
-      </p:sp>
+      </p:pic>
     </p:spTree>
     <p:custDataLst>
       <p:tags r:id="rId1"/>
     </p:custDataLst>
+    <p:extLst>
+      <p:ext uri="{BB962C8B-B14F-4D97-AF65-F5344CB8AC3E}">
+        <p14:creationId xmlns:p14="http://schemas.microsoft.com/office/powerpoint/2010/main" val="865727636"/>
+      </p:ext>
+    </p:extLst>
   </p:cSld>
   <p:clrMapOvr>
     <a:masterClrMapping/>
@@ -14316,6 +14025,499 @@
       </p:grpSpPr>
       <p:sp>
         <p:nvSpPr>
+          <p:cNvPr id="22530" name="Title 1"/>
+          <p:cNvSpPr>
+            <a:spLocks noGrp="1"/>
+          </p:cNvSpPr>
+          <p:nvPr>
+            <p:ph type="title"/>
+          </p:nvPr>
+        </p:nvSpPr>
+        <p:spPr/>
+        <p:txBody>
+          <a:bodyPr/>
+          <a:lstStyle/>
+          <a:p>
+            <a:r>
+              <a:rPr lang="en-US" dirty="0"/>
+              <a:t>Current US HIT standards activities</a:t>
+            </a:r>
+          </a:p>
+        </p:txBody>
+      </p:sp>
+      <p:sp>
+        <p:nvSpPr>
+          <p:cNvPr id="5" name="Content Placeholder 4"/>
+          <p:cNvSpPr>
+            <a:spLocks noGrp="1"/>
+          </p:cNvSpPr>
+          <p:nvPr>
+            <p:ph idx="1"/>
+          </p:nvPr>
+        </p:nvSpPr>
+        <p:spPr>
+          <a:xfrm>
+            <a:off x="224972" y="1182915"/>
+            <a:ext cx="8694058" cy="2398485"/>
+          </a:xfrm>
+        </p:spPr>
+        <p:txBody>
+          <a:bodyPr/>
+          <a:lstStyle/>
+          <a:p>
+            <a:r>
+              <a:rPr lang="en-US" dirty="0"/>
+              <a:t>Argonaut Project – charter (2014) and use cases (2015)</a:t>
+            </a:r>
+          </a:p>
+          <a:p>
+            <a:pPr lvl="1"/>
+            <a:r>
+              <a:rPr lang="en-US" dirty="0"/>
+              <a:t>Implementation guide – http://argonautwiki.hl7.org/index.php?title=Implementation_Guide </a:t>
+            </a:r>
+          </a:p>
+          <a:p>
+            <a:r>
+              <a:rPr lang="en-US" dirty="0"/>
+              <a:t>Standards Advisory – annual release of list of standards ready for widespread adoption</a:t>
+            </a:r>
+          </a:p>
+          <a:p>
+            <a:pPr lvl="1"/>
+            <a:r>
+              <a:rPr lang="en-US" dirty="0"/>
+              <a:t>Latest version at https://www.healthit.gov/isa/ </a:t>
+            </a:r>
+          </a:p>
+          <a:p>
+            <a:endParaRPr lang="en-US" dirty="0"/>
+          </a:p>
+        </p:txBody>
+      </p:sp>
+      <p:sp>
+        <p:nvSpPr>
+          <p:cNvPr id="6" name="Content Placeholder 5"/>
+          <p:cNvSpPr>
+            <a:spLocks noGrp="1"/>
+          </p:cNvSpPr>
+          <p:nvPr>
+            <p:ph sz="quarter" idx="14"/>
+          </p:nvPr>
+        </p:nvSpPr>
+        <p:spPr/>
+        <p:txBody>
+          <a:bodyPr/>
+          <a:lstStyle/>
+          <a:p>
+            <a:endParaRPr lang="en-US"/>
+          </a:p>
+        </p:txBody>
+      </p:sp>
+      <p:pic>
+        <p:nvPicPr>
+          <p:cNvPr id="7" name="Picture 6"/>
+          <p:cNvPicPr>
+            <a:picLocks noChangeAspect="1"/>
+          </p:cNvPicPr>
+          <p:nvPr/>
+        </p:nvPicPr>
+        <p:blipFill>
+          <a:blip r:embed="rId4"/>
+          <a:stretch>
+            <a:fillRect/>
+          </a:stretch>
+        </p:blipFill>
+        <p:spPr>
+          <a:xfrm>
+            <a:off x="2382496" y="3579571"/>
+            <a:ext cx="4379009" cy="3110153"/>
+          </a:xfrm>
+          <a:prstGeom prst="rect">
+            <a:avLst/>
+          </a:prstGeom>
+        </p:spPr>
+      </p:pic>
+    </p:spTree>
+    <p:custDataLst>
+      <p:tags r:id="rId1"/>
+    </p:custDataLst>
+  </p:cSld>
+  <p:clrMapOvr>
+    <a:masterClrMapping/>
+  </p:clrMapOvr>
+  <p:timing>
+    <p:tnLst>
+      <p:par>
+        <p:cTn id="1" dur="indefinite" restart="never" nodeType="tmRoot"/>
+      </p:par>
+    </p:tnLst>
+  </p:timing>
+</p:sld>
+</file>
+
+<file path=ppt/slides/slide17.xml><?xml version="1.0" encoding="utf-8"?>
+<p:sld xmlns:a="http://schemas.openxmlformats.org/drawingml/2006/main" xmlns:r="http://schemas.openxmlformats.org/officeDocument/2006/relationships" xmlns:p="http://schemas.openxmlformats.org/presentationml/2006/main">
+  <p:cSld>
+    <p:spTree>
+      <p:nvGrpSpPr>
+        <p:cNvPr id="1" name=""/>
+        <p:cNvGrpSpPr/>
+        <p:nvPr/>
+      </p:nvGrpSpPr>
+      <p:grpSpPr>
+        <a:xfrm>
+          <a:off x="0" y="0"/>
+          <a:ext cx="0" cy="0"/>
+          <a:chOff x="0" y="0"/>
+          <a:chExt cx="0" cy="0"/>
+        </a:xfrm>
+      </p:grpSpPr>
+      <p:sp>
+        <p:nvSpPr>
+          <p:cNvPr id="2" name="Title 1"/>
+          <p:cNvSpPr>
+            <a:spLocks noGrp="1"/>
+          </p:cNvSpPr>
+          <p:nvPr>
+            <p:ph type="title"/>
+          </p:nvPr>
+        </p:nvSpPr>
+        <p:spPr/>
+        <p:txBody>
+          <a:bodyPr/>
+          <a:lstStyle/>
+          <a:p>
+            <a:r>
+              <a:rPr lang="en-US" dirty="0"/>
+              <a:t>Some perspectives on HIT standards efforts</a:t>
+            </a:r>
+          </a:p>
+        </p:txBody>
+      </p:sp>
+      <p:sp>
+        <p:nvSpPr>
+          <p:cNvPr id="3" name="Content Placeholder 2"/>
+          <p:cNvSpPr>
+            <a:spLocks noGrp="1"/>
+          </p:cNvSpPr>
+          <p:nvPr>
+            <p:ph idx="1"/>
+          </p:nvPr>
+        </p:nvSpPr>
+        <p:spPr/>
+        <p:txBody>
+          <a:bodyPr/>
+          <a:lstStyle/>
+          <a:p>
+            <a:r>
+              <a:rPr lang="en-US" dirty="0"/>
+              <a:t>What makes standards mature and adoptable (Baker, 2015)?</a:t>
+            </a:r>
+          </a:p>
+          <a:p>
+            <a:r>
+              <a:rPr lang="en-US" dirty="0"/>
+              <a:t>What are use cases to establish an EHR is open and interoperable (</a:t>
+            </a:r>
+            <a:r>
+              <a:rPr lang="en-US" dirty="0" err="1"/>
+              <a:t>Sittig</a:t>
+            </a:r>
+            <a:r>
+              <a:rPr lang="en-US" dirty="0"/>
+              <a:t>, 2015)?</a:t>
+            </a:r>
+          </a:p>
+          <a:p>
+            <a:r>
+              <a:rPr lang="en-US" dirty="0"/>
+              <a:t>Data blocking – report to ONC raising concern (2015), though some dispute existence (</a:t>
+            </a:r>
+            <a:r>
+              <a:rPr lang="en-US" dirty="0" err="1"/>
+              <a:t>Halamka</a:t>
+            </a:r>
+            <a:r>
+              <a:rPr lang="en-US" dirty="0"/>
+              <a:t>, 2015)</a:t>
+            </a:r>
+          </a:p>
+          <a:p>
+            <a:r>
+              <a:rPr lang="en-US" dirty="0"/>
+              <a:t>Interoperability Pledge – initiative of leading health systems and vendors to implement consumer access to data, lack of blocking, and adoption of recognized standards and security</a:t>
+            </a:r>
+          </a:p>
+          <a:p>
+            <a:pPr lvl="1"/>
+            <a:r>
+              <a:rPr lang="en-US" dirty="0">
+                <a:hlinkClick r:id="rId3"/>
+              </a:rPr>
+              <a:t>https://www.healthit.gov/commitment</a:t>
+            </a:r>
+            <a:r>
+              <a:rPr lang="en-US" dirty="0"/>
+              <a:t> </a:t>
+            </a:r>
+          </a:p>
+          <a:p>
+            <a:endParaRPr lang="en-US" dirty="0"/>
+          </a:p>
+        </p:txBody>
+      </p:sp>
+      <p:sp>
+        <p:nvSpPr>
+          <p:cNvPr id="4" name="Content Placeholder 3"/>
+          <p:cNvSpPr>
+            <a:spLocks noGrp="1"/>
+          </p:cNvSpPr>
+          <p:nvPr>
+            <p:ph sz="quarter" idx="14"/>
+          </p:nvPr>
+        </p:nvSpPr>
+        <p:spPr/>
+        <p:txBody>
+          <a:bodyPr/>
+          <a:lstStyle/>
+          <a:p>
+            <a:endParaRPr lang="en-US"/>
+          </a:p>
+        </p:txBody>
+      </p:sp>
+    </p:spTree>
+    <p:custDataLst>
+      <p:tags r:id="rId1"/>
+    </p:custDataLst>
+    <p:extLst>
+      <p:ext uri="{BB962C8B-B14F-4D97-AF65-F5344CB8AC3E}">
+        <p14:creationId xmlns:p14="http://schemas.microsoft.com/office/powerpoint/2010/main" val="1446836201"/>
+      </p:ext>
+    </p:extLst>
+  </p:cSld>
+  <p:clrMapOvr>
+    <a:masterClrMapping/>
+  </p:clrMapOvr>
+</p:sld>
+</file>
+
+<file path=ppt/slides/slide18.xml><?xml version="1.0" encoding="utf-8"?>
+<p:sld xmlns:a="http://schemas.openxmlformats.org/drawingml/2006/main" xmlns:r="http://schemas.openxmlformats.org/officeDocument/2006/relationships" xmlns:p="http://schemas.openxmlformats.org/presentationml/2006/main">
+  <p:cSld>
+    <p:spTree>
+      <p:nvGrpSpPr>
+        <p:cNvPr id="1" name=""/>
+        <p:cNvGrpSpPr/>
+        <p:nvPr/>
+      </p:nvGrpSpPr>
+      <p:grpSpPr>
+        <a:xfrm>
+          <a:off x="0" y="0"/>
+          <a:ext cx="0" cy="0"/>
+          <a:chOff x="0" y="0"/>
+          <a:chExt cx="0" cy="0"/>
+        </a:xfrm>
+      </p:grpSpPr>
+      <p:sp>
+        <p:nvSpPr>
+          <p:cNvPr id="25602" name="Rectangle 2"/>
+          <p:cNvSpPr>
+            <a:spLocks noGrp="1" noChangeArrowheads="1"/>
+          </p:cNvSpPr>
+          <p:nvPr>
+            <p:ph type="title"/>
+          </p:nvPr>
+        </p:nvSpPr>
+        <p:spPr/>
+        <p:txBody>
+          <a:bodyPr>
+            <a:normAutofit/>
+          </a:bodyPr>
+          <a:lstStyle/>
+          <a:p>
+            <a:pPr>
+              <a:defRPr/>
+            </a:pPr>
+            <a:r>
+              <a:rPr lang="en-US" dirty="0" smtClean="0">
+                <a:ea typeface="+mj-ea"/>
+              </a:rPr>
+              <a:t>Integrating the Health Enterprise (IHE)</a:t>
+            </a:r>
+          </a:p>
+        </p:txBody>
+      </p:sp>
+      <p:sp>
+        <p:nvSpPr>
+          <p:cNvPr id="25603" name="Rectangle 3"/>
+          <p:cNvSpPr>
+            <a:spLocks noGrp="1" noChangeArrowheads="1"/>
+          </p:cNvSpPr>
+          <p:nvPr>
+            <p:ph idx="1"/>
+          </p:nvPr>
+        </p:nvSpPr>
+        <p:spPr/>
+        <p:txBody>
+          <a:bodyPr>
+            <a:normAutofit/>
+          </a:bodyPr>
+          <a:lstStyle/>
+          <a:p>
+            <a:pPr>
+              <a:defRPr/>
+            </a:pPr>
+            <a:r>
+              <a:rPr lang="en-US" dirty="0" smtClean="0">
+                <a:ea typeface="+mn-ea"/>
+              </a:rPr>
+              <a:t>Non-federal effort that identifies and demonstrates solutions to real-world interoperability problems</a:t>
+            </a:r>
+          </a:p>
+          <a:p>
+            <a:pPr lvl="1">
+              <a:defRPr/>
+            </a:pPr>
+            <a:r>
+              <a:rPr lang="en-US" dirty="0">
+                <a:ea typeface="+mn-ea"/>
+              </a:rPr>
+              <a:t>Organizes interoperability </a:t>
+            </a:r>
+            <a:r>
+              <a:rPr lang="en-US" dirty="0" smtClean="0">
+                <a:ea typeface="+mn-ea"/>
+              </a:rPr>
+              <a:t>showcases to demonstrate solutions</a:t>
+            </a:r>
+            <a:endParaRPr lang="en-US" dirty="0">
+              <a:ea typeface="+mn-ea"/>
+            </a:endParaRPr>
+          </a:p>
+          <a:p>
+            <a:pPr>
+              <a:defRPr/>
+            </a:pPr>
+            <a:r>
+              <a:rPr lang="en-US" dirty="0" smtClean="0">
+                <a:ea typeface="+mn-ea"/>
+              </a:rPr>
+              <a:t>Organized across various clinical and operational domains</a:t>
+            </a:r>
+          </a:p>
+          <a:p>
+            <a:pPr lvl="1">
+              <a:defRPr/>
+            </a:pPr>
+            <a:r>
+              <a:rPr lang="en-US" dirty="0">
+                <a:ea typeface="+mn-ea"/>
+              </a:rPr>
+              <a:t>Each domain produces own set of Technical Framework documents in coordination with other domains</a:t>
+            </a:r>
+          </a:p>
+          <a:p>
+            <a:pPr lvl="1">
+              <a:defRPr/>
+            </a:pPr>
+            <a:r>
+              <a:rPr lang="en-US" dirty="0">
+                <a:ea typeface="+mn-ea"/>
+              </a:rPr>
+              <a:t>Committees in each domain review and republish these documents annually, often expanding with supplements that expand existing or define new profiles</a:t>
+            </a:r>
+          </a:p>
+          <a:p>
+            <a:pPr lvl="1">
+              <a:defRPr/>
+            </a:pPr>
+            <a:r>
+              <a:rPr lang="en-US" dirty="0">
+                <a:ea typeface="+mn-ea"/>
+              </a:rPr>
+              <a:t>Profiles eventually republished for trial implementation; if criteria for successful testing achieved, profile is published in final </a:t>
+            </a:r>
+            <a:r>
+              <a:rPr lang="en-US" dirty="0" smtClean="0">
+                <a:ea typeface="+mn-ea"/>
+              </a:rPr>
+              <a:t>form</a:t>
+            </a:r>
+            <a:endParaRPr lang="en-US" dirty="0">
+              <a:ea typeface="+mn-ea"/>
+            </a:endParaRPr>
+          </a:p>
+        </p:txBody>
+      </p:sp>
+      <p:sp>
+        <p:nvSpPr>
+          <p:cNvPr id="2" name="Content Placeholder 1"/>
+          <p:cNvSpPr>
+            <a:spLocks noGrp="1"/>
+          </p:cNvSpPr>
+          <p:nvPr>
+            <p:ph sz="quarter" idx="14"/>
+          </p:nvPr>
+        </p:nvSpPr>
+        <p:spPr>
+          <a:xfrm>
+            <a:off x="7696200" y="6431664"/>
+            <a:ext cx="1295400" cy="197736"/>
+          </a:xfrm>
+        </p:spPr>
+        <p:txBody>
+          <a:bodyPr/>
+          <a:lstStyle/>
+          <a:p>
+            <a:r>
+              <a:rPr lang="en-US" dirty="0" smtClean="0"/>
+              <a:t>(Samarth</a:t>
+            </a:r>
+            <a:r>
+              <a:rPr lang="en-US" dirty="0"/>
+              <a:t>, 2013)</a:t>
+            </a:r>
+          </a:p>
+        </p:txBody>
+      </p:sp>
+    </p:spTree>
+    <p:custDataLst>
+      <p:tags r:id="rId1"/>
+    </p:custDataLst>
+  </p:cSld>
+  <p:clrMapOvr>
+    <a:masterClrMapping/>
+  </p:clrMapOvr>
+  <p:timing>
+    <p:tnLst>
+      <p:par>
+        <p:cTn id="1" dur="indefinite" restart="never" nodeType="tmRoot"/>
+      </p:par>
+    </p:tnLst>
+  </p:timing>
+</p:sld>
+</file>
+
+<file path=ppt/slides/slide19.xml><?xml version="1.0" encoding="utf-8"?>
+<p:sld xmlns:a="http://schemas.openxmlformats.org/drawingml/2006/main" xmlns:r="http://schemas.openxmlformats.org/officeDocument/2006/relationships" xmlns:p="http://schemas.openxmlformats.org/presentationml/2006/main">
+  <p:cSld>
+    <p:spTree>
+      <p:nvGrpSpPr>
+        <p:cNvPr id="1" name=""/>
+        <p:cNvGrpSpPr/>
+        <p:nvPr/>
+      </p:nvGrpSpPr>
+      <p:grpSpPr>
+        <a:xfrm>
+          <a:off x="0" y="0"/>
+          <a:ext cx="0" cy="0"/>
+          <a:chOff x="0" y="0"/>
+          <a:chExt cx="0" cy="0"/>
+        </a:xfrm>
+      </p:grpSpPr>
+      <p:sp>
+        <p:nvSpPr>
           <p:cNvPr id="2" name="Title 1"/>
           <p:cNvSpPr>
             <a:spLocks noGrp="1"/>
@@ -14515,7 +14717,203 @@
 </p:sld>
 </file>
 
-<file path=ppt/slides/slide17.xml><?xml version="1.0" encoding="utf-8"?>
+<file path=ppt/slides/slide2.xml><?xml version="1.0" encoding="utf-8"?>
+<p:sld xmlns:a="http://schemas.openxmlformats.org/drawingml/2006/main" xmlns:r="http://schemas.openxmlformats.org/officeDocument/2006/relationships" xmlns:p="http://schemas.openxmlformats.org/presentationml/2006/main">
+  <p:cSld>
+    <p:spTree>
+      <p:nvGrpSpPr>
+        <p:cNvPr id="1" name=""/>
+        <p:cNvGrpSpPr/>
+        <p:nvPr/>
+      </p:nvGrpSpPr>
+      <p:grpSpPr>
+        <a:xfrm>
+          <a:off x="0" y="0"/>
+          <a:ext cx="0" cy="0"/>
+          <a:chOff x="0" y="0"/>
+          <a:chExt cx="0" cy="0"/>
+        </a:xfrm>
+      </p:grpSpPr>
+      <p:sp>
+        <p:nvSpPr>
+          <p:cNvPr id="9218" name="Rectangle 2"/>
+          <p:cNvSpPr>
+            <a:spLocks noGrp="1" noChangeArrowheads="1"/>
+          </p:cNvSpPr>
+          <p:nvPr>
+            <p:ph type="title"/>
+          </p:nvPr>
+        </p:nvSpPr>
+        <p:spPr/>
+        <p:txBody>
+          <a:bodyPr>
+            <a:normAutofit fontScale="90000"/>
+          </a:bodyPr>
+          <a:lstStyle/>
+          <a:p>
+            <a:pPr eaLnBrk="1" hangingPunct="1">
+              <a:defRPr/>
+            </a:pPr>
+            <a:r>
+              <a:rPr lang="en-US" sz="4000" dirty="0" smtClean="0">
+                <a:ea typeface="+mj-ea"/>
+              </a:rPr>
+              <a:t>Why are standards important in big data science?</a:t>
+            </a:r>
+          </a:p>
+        </p:txBody>
+      </p:sp>
+      <p:sp>
+        <p:nvSpPr>
+          <p:cNvPr id="214019" name="Rectangle 3"/>
+          <p:cNvSpPr>
+            <a:spLocks noGrp="1" noChangeArrowheads="1"/>
+          </p:cNvSpPr>
+          <p:nvPr>
+            <p:ph idx="1"/>
+          </p:nvPr>
+        </p:nvSpPr>
+        <p:spPr/>
+        <p:txBody>
+          <a:bodyPr>
+            <a:normAutofit/>
+          </a:bodyPr>
+          <a:lstStyle/>
+          <a:p>
+            <a:pPr eaLnBrk="1" hangingPunct="1">
+              <a:defRPr/>
+            </a:pPr>
+            <a:r>
+              <a:rPr lang="en-US" dirty="0">
+                <a:ea typeface="+mn-ea"/>
+              </a:rPr>
+              <a:t>Promote consistent naming of individuals, events, diagnoses, treatments, etc.</a:t>
+            </a:r>
+            <a:endParaRPr lang="en-US" dirty="0">
+              <a:solidFill>
+                <a:srgbClr val="7F7F7F"/>
+              </a:solidFill>
+              <a:ea typeface="+mn-ea"/>
+            </a:endParaRPr>
+          </a:p>
+          <a:p>
+            <a:pPr eaLnBrk="1" hangingPunct="1">
+              <a:defRPr/>
+            </a:pPr>
+            <a:r>
+              <a:rPr lang="en-US" dirty="0">
+                <a:ea typeface="+mn-ea"/>
+              </a:rPr>
+              <a:t>Allow better use of data for patient care as well as secondary uses, such as quality assurance, </a:t>
+            </a:r>
+            <a:r>
+              <a:rPr lang="en-US" dirty="0" smtClean="0">
+                <a:ea typeface="+mn-ea"/>
+              </a:rPr>
+              <a:t>clinical research</a:t>
+            </a:r>
+            <a:r>
+              <a:rPr lang="en-US" dirty="0">
+                <a:ea typeface="+mn-ea"/>
+              </a:rPr>
+              <a:t>, </a:t>
+            </a:r>
+            <a:r>
+              <a:rPr lang="en-US" dirty="0" smtClean="0">
+                <a:ea typeface="+mn-ea"/>
+              </a:rPr>
+              <a:t>public health, etc</a:t>
+            </a:r>
+            <a:r>
+              <a:rPr lang="en-US" dirty="0">
+                <a:ea typeface="+mn-ea"/>
+              </a:rPr>
+              <a:t>.</a:t>
+            </a:r>
+            <a:endParaRPr lang="en-US" dirty="0">
+              <a:solidFill>
+                <a:srgbClr val="7F7F7F"/>
+              </a:solidFill>
+              <a:ea typeface="+mn-ea"/>
+            </a:endParaRPr>
+          </a:p>
+          <a:p>
+            <a:pPr eaLnBrk="1" hangingPunct="1">
+              <a:defRPr/>
+            </a:pPr>
+            <a:r>
+              <a:rPr lang="en-US" dirty="0">
+                <a:ea typeface="+mn-ea"/>
+              </a:rPr>
+              <a:t>Enhance ability to transfer data among applications, allowing better system </a:t>
+            </a:r>
+            <a:r>
+              <a:rPr lang="en-US" dirty="0" smtClean="0">
+                <a:ea typeface="+mn-ea"/>
+              </a:rPr>
+              <a:t>integration</a:t>
+            </a:r>
+            <a:endParaRPr lang="en-US" dirty="0" smtClean="0">
+              <a:solidFill>
+                <a:srgbClr val="7F7F7F"/>
+              </a:solidFill>
+              <a:ea typeface="+mn-ea"/>
+            </a:endParaRPr>
+          </a:p>
+          <a:p>
+            <a:pPr eaLnBrk="1" hangingPunct="1">
+              <a:defRPr/>
+            </a:pPr>
+            <a:r>
+              <a:rPr lang="en-US" dirty="0" smtClean="0">
+                <a:ea typeface="+mn-ea"/>
+              </a:rPr>
+              <a:t>Facilitate interoperability among information systems and users</a:t>
+            </a:r>
+            <a:endParaRPr lang="en-US" dirty="0">
+              <a:ea typeface="+mn-ea"/>
+            </a:endParaRPr>
+          </a:p>
+        </p:txBody>
+      </p:sp>
+      <p:sp>
+        <p:nvSpPr>
+          <p:cNvPr id="2" name="Content Placeholder 1"/>
+          <p:cNvSpPr>
+            <a:spLocks noGrp="1"/>
+          </p:cNvSpPr>
+          <p:nvPr>
+            <p:ph sz="quarter" idx="14"/>
+          </p:nvPr>
+        </p:nvSpPr>
+        <p:spPr/>
+        <p:txBody>
+          <a:bodyPr/>
+          <a:lstStyle/>
+          <a:p>
+            <a:endParaRPr lang="en-US"/>
+          </a:p>
+        </p:txBody>
+      </p:sp>
+    </p:spTree>
+    <p:custDataLst>
+      <p:tags r:id="rId1"/>
+    </p:custDataLst>
+  </p:cSld>
+  <p:clrMapOvr>
+    <a:masterClrMapping/>
+  </p:clrMapOvr>
+  <p:timing>
+    <p:tnLst>
+      <p:par>
+        <p:cTn id="1" dur="indefinite" restart="never" nodeType="tmRoot"/>
+      </p:par>
+    </p:tnLst>
+  </p:timing>
+</p:sld>
+</file>
+
+<file path=ppt/slides/slide20.xml><?xml version="1.0" encoding="utf-8"?>
 <p:sld xmlns:a="http://schemas.openxmlformats.org/drawingml/2006/main" xmlns:r="http://schemas.openxmlformats.org/officeDocument/2006/relationships" xmlns:p="http://schemas.openxmlformats.org/presentationml/2006/main">
   <p:cSld>
     <p:spTree>
@@ -14662,7 +15060,7 @@
 </p:sld>
 </file>
 
-<file path=ppt/slides/slide18.xml><?xml version="1.0" encoding="utf-8"?>
+<file path=ppt/slides/slide21.xml><?xml version="1.0" encoding="utf-8"?>
 <p:sld xmlns:a="http://schemas.openxmlformats.org/drawingml/2006/main" xmlns:r="http://schemas.openxmlformats.org/officeDocument/2006/relationships" xmlns:p="http://schemas.openxmlformats.org/presentationml/2006/main">
   <p:cSld>
     <p:spTree>
@@ -14681,7 +15079,7 @@
       </p:grpSpPr>
       <p:sp>
         <p:nvSpPr>
-          <p:cNvPr id="25602" name="Rectangle 4"/>
+          <p:cNvPr id="31746" name="Rectangle 2"/>
           <p:cNvSpPr>
             <a:spLocks noGrp="1" noChangeArrowheads="1"/>
           </p:cNvSpPr>
@@ -14700,17 +15098,17 @@
               <a:defRPr/>
             </a:pPr>
             <a:r>
-              <a:rPr lang="en-US" sz="4000" dirty="0" smtClean="0">
+              <a:rPr lang="en-US" dirty="0" smtClean="0">
                 <a:ea typeface="+mj-ea"/>
               </a:rPr>
-              <a:t>HIPAA</a:t>
-            </a:r>
-          </a:p>
-        </p:txBody>
-      </p:sp>
-      <p:sp>
-        <p:nvSpPr>
-          <p:cNvPr id="25603" name="Rectangle 5"/>
+              <a:t>Biomedical and health data standards</a:t>
+            </a:r>
+          </a:p>
+        </p:txBody>
+      </p:sp>
+      <p:sp>
+        <p:nvSpPr>
+          <p:cNvPr id="29699" name="Rectangle 3"/>
           <p:cNvSpPr>
             <a:spLocks noGrp="1" noChangeArrowheads="1"/>
           </p:cNvSpPr>
@@ -14720,179 +15118,53 @@
         </p:nvSpPr>
         <p:spPr/>
         <p:txBody>
-          <a:bodyPr>
-            <a:normAutofit/>
-          </a:bodyPr>
+          <a:bodyPr/>
           <a:lstStyle/>
           <a:p>
-            <a:pPr eaLnBrk="1" hangingPunct="1">
-              <a:lnSpc>
-                <a:spcPct val="90000"/>
-              </a:lnSpc>
-              <a:defRPr/>
-            </a:pPr>
-            <a:r>
-              <a:rPr lang="en-US" dirty="0" smtClean="0">
-                <a:ea typeface="+mn-ea"/>
-              </a:rPr>
-              <a:t>Health information standards were a key focus of the Health Insurance Portability and Accountability Act of 1996 (HIPAA; aka, the Kennedy-</a:t>
-            </a:r>
-            <a:r>
-              <a:rPr lang="en-US" dirty="0" err="1" smtClean="0">
-                <a:ea typeface="+mn-ea"/>
-              </a:rPr>
-              <a:t>Kassebaum</a:t>
-            </a:r>
-            <a:r>
-              <a:rPr lang="en-US" dirty="0" smtClean="0">
-                <a:ea typeface="+mn-ea"/>
-              </a:rPr>
-              <a:t> Bill)</a:t>
-            </a:r>
-            <a:endParaRPr lang="en-US" dirty="0" smtClean="0">
+            <a:pPr eaLnBrk="1" hangingPunct="1"/>
+            <a:r>
+              <a:rPr lang="en-US" dirty="0" smtClean="0"/>
+              <a:t>Identifiers</a:t>
+            </a:r>
+            <a:endParaRPr lang="en-US" dirty="0">
               <a:solidFill>
                 <a:srgbClr val="7F7F7F"/>
               </a:solidFill>
-              <a:ea typeface="+mn-ea"/>
             </a:endParaRPr>
           </a:p>
           <a:p>
-            <a:pPr eaLnBrk="1" hangingPunct="1">
-              <a:lnSpc>
-                <a:spcPct val="90000"/>
-              </a:lnSpc>
-              <a:defRPr/>
-            </a:pPr>
-            <a:r>
-              <a:rPr lang="en-US" dirty="0" smtClean="0">
-                <a:ea typeface="+mn-ea"/>
-              </a:rPr>
-              <a:t>Main focus of legislation, however, was health insurance issues</a:t>
-            </a:r>
-            <a:endParaRPr lang="en-US" dirty="0" smtClean="0">
+            <a:pPr eaLnBrk="1" hangingPunct="1"/>
+            <a:r>
+              <a:rPr lang="en-US" dirty="0" smtClean="0"/>
+              <a:t>Transactions</a:t>
+            </a:r>
+            <a:endParaRPr lang="en-US" dirty="0">
               <a:solidFill>
                 <a:srgbClr val="7F7F7F"/>
               </a:solidFill>
-              <a:ea typeface="+mn-ea"/>
             </a:endParaRPr>
           </a:p>
           <a:p>
-            <a:pPr lvl="1">
-              <a:defRPr/>
-            </a:pPr>
-            <a:r>
-              <a:rPr lang="en-US" dirty="0" smtClean="0">
-                <a:ea typeface="+mn-ea"/>
-              </a:rPr>
-              <a:t>Reducing denial based on pre-existing conditions</a:t>
-            </a:r>
-            <a:endParaRPr lang="en-US" dirty="0" smtClean="0">
+            <a:pPr eaLnBrk="1" hangingPunct="1"/>
+            <a:r>
+              <a:rPr lang="en-US" dirty="0"/>
+              <a:t>Message </a:t>
+            </a:r>
+            <a:r>
+              <a:rPr lang="en-US" dirty="0" smtClean="0"/>
+              <a:t>exchange</a:t>
+            </a:r>
+            <a:endParaRPr lang="en-US" dirty="0">
               <a:solidFill>
                 <a:srgbClr val="7F7F7F"/>
               </a:solidFill>
-              <a:ea typeface="+mn-ea"/>
             </a:endParaRPr>
           </a:p>
           <a:p>
-            <a:pPr lvl="1">
-              <a:defRPr/>
-            </a:pPr>
-            <a:r>
-              <a:rPr lang="en-US" dirty="0" smtClean="0">
-                <a:ea typeface="+mn-ea"/>
-              </a:rPr>
-              <a:t>Improving portability across jobs</a:t>
-            </a:r>
-            <a:endParaRPr lang="en-US" dirty="0" smtClean="0">
-              <a:solidFill>
-                <a:srgbClr val="7F7F7F"/>
-              </a:solidFill>
-              <a:ea typeface="+mn-ea"/>
-            </a:endParaRPr>
-          </a:p>
-          <a:p>
-            <a:pPr eaLnBrk="1" hangingPunct="1">
-              <a:lnSpc>
-                <a:spcPct val="90000"/>
-              </a:lnSpc>
-              <a:defRPr/>
-            </a:pPr>
-            <a:r>
-              <a:rPr lang="en-US" dirty="0" smtClean="0">
-                <a:ea typeface="+mn-ea"/>
-              </a:rPr>
-              <a:t>But now HIPAA is best known for its addressing of</a:t>
-            </a:r>
-            <a:endParaRPr lang="en-US" dirty="0" smtClean="0">
-              <a:solidFill>
-                <a:srgbClr val="7F7F7F"/>
-              </a:solidFill>
-              <a:ea typeface="+mn-ea"/>
-            </a:endParaRPr>
-          </a:p>
-          <a:p>
-            <a:pPr lvl="1">
-              <a:defRPr/>
-            </a:pPr>
-            <a:r>
-              <a:rPr lang="en-US" dirty="0" smtClean="0">
-                <a:ea typeface="+mn-ea"/>
-              </a:rPr>
-              <a:t>Standards for financial transactions and code sets</a:t>
-            </a:r>
-            <a:endParaRPr lang="en-US" dirty="0" smtClean="0">
-              <a:solidFill>
-                <a:srgbClr val="7F7F7F"/>
-              </a:solidFill>
-              <a:ea typeface="+mn-ea"/>
-            </a:endParaRPr>
-          </a:p>
-          <a:p>
-            <a:pPr lvl="1">
-              <a:defRPr/>
-            </a:pPr>
-            <a:r>
-              <a:rPr lang="en-US" dirty="0" smtClean="0">
-                <a:ea typeface="+mn-ea"/>
-              </a:rPr>
-              <a:t>Unique identifiers for patients, healthcare providers, and employers</a:t>
-            </a:r>
-            <a:endParaRPr lang="en-US" dirty="0" smtClean="0">
-              <a:solidFill>
-                <a:srgbClr val="7F7F7F"/>
-              </a:solidFill>
-              <a:ea typeface="+mn-ea"/>
-            </a:endParaRPr>
-          </a:p>
-          <a:p>
-            <a:pPr lvl="1">
-              <a:defRPr/>
-            </a:pPr>
-            <a:r>
-              <a:rPr lang="en-US" dirty="0" smtClean="0">
-                <a:ea typeface="+mn-ea"/>
-              </a:rPr>
-              <a:t>Development of privacy and security standards for transmission of electronic health data</a:t>
-            </a:r>
-            <a:endParaRPr lang="en-US" dirty="0" smtClean="0">
-              <a:solidFill>
-                <a:srgbClr val="7F7F7F"/>
-              </a:solidFill>
-              <a:ea typeface="+mn-ea"/>
-            </a:endParaRPr>
-          </a:p>
-          <a:p>
-            <a:pPr eaLnBrk="1" hangingPunct="1">
-              <a:lnSpc>
-                <a:spcPct val="90000"/>
-              </a:lnSpc>
-              <a:defRPr/>
-            </a:pPr>
-            <a:r>
-              <a:rPr lang="en-US" dirty="0" smtClean="0">
-                <a:ea typeface="+mn-ea"/>
-              </a:rPr>
-              <a:t>HIPAA privacy and security regulations expanded in HITECH</a:t>
+            <a:pPr eaLnBrk="1" hangingPunct="1"/>
+            <a:r>
+              <a:rPr lang="en-US" dirty="0" smtClean="0"/>
+              <a:t>Terminology</a:t>
             </a:r>
           </a:p>
         </p:txBody>
@@ -14935,350 +15207,7 @@
 </p:sld>
 </file>
 
-<file path=ppt/slides/slide19.xml><?xml version="1.0" encoding="utf-8"?>
-<p:sld xmlns:a="http://schemas.openxmlformats.org/drawingml/2006/main" xmlns:r="http://schemas.openxmlformats.org/officeDocument/2006/relationships" xmlns:p="http://schemas.openxmlformats.org/presentationml/2006/main">
-  <p:cSld>
-    <p:spTree>
-      <p:nvGrpSpPr>
-        <p:cNvPr id="1" name=""/>
-        <p:cNvGrpSpPr/>
-        <p:nvPr/>
-      </p:nvGrpSpPr>
-      <p:grpSpPr>
-        <a:xfrm>
-          <a:off x="0" y="0"/>
-          <a:ext cx="0" cy="0"/>
-          <a:chOff x="0" y="0"/>
-          <a:chExt cx="0" cy="0"/>
-        </a:xfrm>
-      </p:grpSpPr>
-      <p:sp>
-        <p:nvSpPr>
-          <p:cNvPr id="31746" name="Rectangle 2"/>
-          <p:cNvSpPr>
-            <a:spLocks noGrp="1" noChangeArrowheads="1"/>
-          </p:cNvSpPr>
-          <p:nvPr>
-            <p:ph type="title"/>
-          </p:nvPr>
-        </p:nvSpPr>
-        <p:spPr/>
-        <p:txBody>
-          <a:bodyPr>
-            <a:normAutofit/>
-          </a:bodyPr>
-          <a:lstStyle/>
-          <a:p>
-            <a:pPr eaLnBrk="1" hangingPunct="1">
-              <a:defRPr/>
-            </a:pPr>
-            <a:r>
-              <a:rPr lang="en-US" dirty="0" smtClean="0">
-                <a:ea typeface="+mj-ea"/>
-              </a:rPr>
-              <a:t>Biomedical and health data standards</a:t>
-            </a:r>
-          </a:p>
-        </p:txBody>
-      </p:sp>
-      <p:sp>
-        <p:nvSpPr>
-          <p:cNvPr id="29699" name="Rectangle 3"/>
-          <p:cNvSpPr>
-            <a:spLocks noGrp="1" noChangeArrowheads="1"/>
-          </p:cNvSpPr>
-          <p:nvPr>
-            <p:ph idx="1"/>
-          </p:nvPr>
-        </p:nvSpPr>
-        <p:spPr/>
-        <p:txBody>
-          <a:bodyPr/>
-          <a:lstStyle/>
-          <a:p>
-            <a:pPr eaLnBrk="1" hangingPunct="1"/>
-            <a:r>
-              <a:rPr lang="en-US" dirty="0" smtClean="0"/>
-              <a:t>Identifiers</a:t>
-            </a:r>
-            <a:endParaRPr lang="en-US" dirty="0">
-              <a:solidFill>
-                <a:srgbClr val="7F7F7F"/>
-              </a:solidFill>
-            </a:endParaRPr>
-          </a:p>
-          <a:p>
-            <a:pPr eaLnBrk="1" hangingPunct="1"/>
-            <a:r>
-              <a:rPr lang="en-US" dirty="0" smtClean="0"/>
-              <a:t>Transactions</a:t>
-            </a:r>
-            <a:endParaRPr lang="en-US" dirty="0">
-              <a:solidFill>
-                <a:srgbClr val="7F7F7F"/>
-              </a:solidFill>
-            </a:endParaRPr>
-          </a:p>
-          <a:p>
-            <a:pPr eaLnBrk="1" hangingPunct="1"/>
-            <a:r>
-              <a:rPr lang="en-US" dirty="0"/>
-              <a:t>Message </a:t>
-            </a:r>
-            <a:r>
-              <a:rPr lang="en-US" dirty="0" smtClean="0"/>
-              <a:t>exchange</a:t>
-            </a:r>
-            <a:endParaRPr lang="en-US" dirty="0">
-              <a:solidFill>
-                <a:srgbClr val="7F7F7F"/>
-              </a:solidFill>
-            </a:endParaRPr>
-          </a:p>
-          <a:p>
-            <a:pPr eaLnBrk="1" hangingPunct="1"/>
-            <a:r>
-              <a:rPr lang="en-US" dirty="0" smtClean="0"/>
-              <a:t>Terminology</a:t>
-            </a:r>
-          </a:p>
-        </p:txBody>
-      </p:sp>
-      <p:sp>
-        <p:nvSpPr>
-          <p:cNvPr id="2" name="Content Placeholder 1"/>
-          <p:cNvSpPr>
-            <a:spLocks noGrp="1"/>
-          </p:cNvSpPr>
-          <p:nvPr>
-            <p:ph sz="quarter" idx="14"/>
-          </p:nvPr>
-        </p:nvSpPr>
-        <p:spPr/>
-        <p:txBody>
-          <a:bodyPr/>
-          <a:lstStyle/>
-          <a:p>
-            <a:endParaRPr lang="en-US"/>
-          </a:p>
-        </p:txBody>
-      </p:sp>
-    </p:spTree>
-    <p:custDataLst>
-      <p:tags r:id="rId1"/>
-    </p:custDataLst>
-  </p:cSld>
-  <p:clrMapOvr>
-    <a:masterClrMapping/>
-  </p:clrMapOvr>
-  <p:transition/>
-  <p:timing>
-    <p:tnLst>
-      <p:par>
-        <p:cTn id="1" dur="indefinite" restart="never" nodeType="tmRoot"/>
-      </p:par>
-    </p:tnLst>
-  </p:timing>
-</p:sld>
-</file>
-
-<file path=ppt/slides/slide2.xml><?xml version="1.0" encoding="utf-8"?>
-<p:sld xmlns:a="http://schemas.openxmlformats.org/drawingml/2006/main" xmlns:r="http://schemas.openxmlformats.org/officeDocument/2006/relationships" xmlns:p="http://schemas.openxmlformats.org/presentationml/2006/main">
-  <p:cSld>
-    <p:spTree>
-      <p:nvGrpSpPr>
-        <p:cNvPr id="1" name=""/>
-        <p:cNvGrpSpPr/>
-        <p:nvPr/>
-      </p:nvGrpSpPr>
-      <p:grpSpPr>
-        <a:xfrm>
-          <a:off x="0" y="0"/>
-          <a:ext cx="0" cy="0"/>
-          <a:chOff x="0" y="0"/>
-          <a:chExt cx="0" cy="0"/>
-        </a:xfrm>
-      </p:grpSpPr>
-      <p:sp>
-        <p:nvSpPr>
-          <p:cNvPr id="9218" name="Rectangle 2"/>
-          <p:cNvSpPr>
-            <a:spLocks noGrp="1" noChangeArrowheads="1"/>
-          </p:cNvSpPr>
-          <p:nvPr>
-            <p:ph type="title"/>
-          </p:nvPr>
-        </p:nvSpPr>
-        <p:spPr/>
-        <p:txBody>
-          <a:bodyPr>
-            <a:normAutofit fontScale="90000"/>
-          </a:bodyPr>
-          <a:lstStyle/>
-          <a:p>
-            <a:pPr eaLnBrk="1" hangingPunct="1">
-              <a:defRPr/>
-            </a:pPr>
-            <a:r>
-              <a:rPr lang="en-US" sz="4000" dirty="0" smtClean="0">
-                <a:ea typeface="+mj-ea"/>
-              </a:rPr>
-              <a:t>Why are standards important in big data science?</a:t>
-            </a:r>
-          </a:p>
-        </p:txBody>
-      </p:sp>
-      <p:sp>
-        <p:nvSpPr>
-          <p:cNvPr id="214019" name="Rectangle 3"/>
-          <p:cNvSpPr>
-            <a:spLocks noGrp="1" noChangeArrowheads="1"/>
-          </p:cNvSpPr>
-          <p:nvPr>
-            <p:ph idx="1"/>
-          </p:nvPr>
-        </p:nvSpPr>
-        <p:spPr/>
-        <p:txBody>
-          <a:bodyPr>
-            <a:normAutofit/>
-          </a:bodyPr>
-          <a:lstStyle/>
-          <a:p>
-            <a:pPr eaLnBrk="1" hangingPunct="1">
-              <a:defRPr/>
-            </a:pPr>
-            <a:r>
-              <a:rPr lang="en-US" dirty="0">
-                <a:ea typeface="+mn-ea"/>
-              </a:rPr>
-              <a:t>Promote consistent naming of individuals, events, diagnoses, treatments, etc.</a:t>
-            </a:r>
-            <a:endParaRPr lang="en-US" dirty="0">
-              <a:solidFill>
-                <a:srgbClr val="7F7F7F"/>
-              </a:solidFill>
-              <a:ea typeface="+mn-ea"/>
-            </a:endParaRPr>
-          </a:p>
-          <a:p>
-            <a:pPr eaLnBrk="1" hangingPunct="1">
-              <a:defRPr/>
-            </a:pPr>
-            <a:r>
-              <a:rPr lang="en-US" dirty="0">
-                <a:ea typeface="+mn-ea"/>
-              </a:rPr>
-              <a:t>Allow better use of data for patient care as well as secondary uses, such as quality assurance, </a:t>
-            </a:r>
-            <a:r>
-              <a:rPr lang="en-US" dirty="0" smtClean="0">
-                <a:ea typeface="+mn-ea"/>
-              </a:rPr>
-              <a:t>clinical research</a:t>
-            </a:r>
-            <a:r>
-              <a:rPr lang="en-US" dirty="0">
-                <a:ea typeface="+mn-ea"/>
-              </a:rPr>
-              <a:t>, </a:t>
-            </a:r>
-            <a:r>
-              <a:rPr lang="en-US" dirty="0" smtClean="0">
-                <a:ea typeface="+mn-ea"/>
-              </a:rPr>
-              <a:t>public health, etc</a:t>
-            </a:r>
-            <a:r>
-              <a:rPr lang="en-US" dirty="0">
-                <a:ea typeface="+mn-ea"/>
-              </a:rPr>
-              <a:t>.</a:t>
-            </a:r>
-            <a:endParaRPr lang="en-US" dirty="0">
-              <a:solidFill>
-                <a:srgbClr val="7F7F7F"/>
-              </a:solidFill>
-              <a:ea typeface="+mn-ea"/>
-            </a:endParaRPr>
-          </a:p>
-          <a:p>
-            <a:pPr eaLnBrk="1" hangingPunct="1">
-              <a:defRPr/>
-            </a:pPr>
-            <a:r>
-              <a:rPr lang="en-US" dirty="0">
-                <a:ea typeface="+mn-ea"/>
-              </a:rPr>
-              <a:t>Enhance ability to transfer data among applications, allowing better system </a:t>
-            </a:r>
-            <a:r>
-              <a:rPr lang="en-US" dirty="0" smtClean="0">
-                <a:ea typeface="+mn-ea"/>
-              </a:rPr>
-              <a:t>integration</a:t>
-            </a:r>
-            <a:endParaRPr lang="en-US" dirty="0" smtClean="0">
-              <a:solidFill>
-                <a:srgbClr val="7F7F7F"/>
-              </a:solidFill>
-              <a:ea typeface="+mn-ea"/>
-            </a:endParaRPr>
-          </a:p>
-          <a:p>
-            <a:pPr eaLnBrk="1" hangingPunct="1">
-              <a:defRPr/>
-            </a:pPr>
-            <a:r>
-              <a:rPr lang="en-US" dirty="0" smtClean="0">
-                <a:ea typeface="+mn-ea"/>
-              </a:rPr>
-              <a:t>Facilitate interoperability among information systems and users</a:t>
-            </a:r>
-            <a:endParaRPr lang="en-US" dirty="0">
-              <a:ea typeface="+mn-ea"/>
-            </a:endParaRPr>
-          </a:p>
-        </p:txBody>
-      </p:sp>
-      <p:sp>
-        <p:nvSpPr>
-          <p:cNvPr id="2" name="Content Placeholder 1"/>
-          <p:cNvSpPr>
-            <a:spLocks noGrp="1"/>
-          </p:cNvSpPr>
-          <p:nvPr>
-            <p:ph sz="quarter" idx="14"/>
-          </p:nvPr>
-        </p:nvSpPr>
-        <p:spPr/>
-        <p:txBody>
-          <a:bodyPr/>
-          <a:lstStyle/>
-          <a:p>
-            <a:endParaRPr lang="en-US"/>
-          </a:p>
-        </p:txBody>
-      </p:sp>
-    </p:spTree>
-    <p:custDataLst>
-      <p:tags r:id="rId1"/>
-    </p:custDataLst>
-  </p:cSld>
-  <p:clrMapOvr>
-    <a:masterClrMapping/>
-  </p:clrMapOvr>
-  <p:timing>
-    <p:tnLst>
-      <p:par>
-        <p:cTn id="1" dur="indefinite" restart="never" nodeType="tmRoot"/>
-      </p:par>
-    </p:tnLst>
-  </p:timing>
-</p:sld>
-</file>
-
-<file path=ppt/slides/slide20.xml><?xml version="1.0" encoding="utf-8"?>
+<file path=ppt/slides/slide22.xml><?xml version="1.0" encoding="utf-8"?>
 <p:sld xmlns:a="http://schemas.openxmlformats.org/drawingml/2006/main" xmlns:r="http://schemas.openxmlformats.org/officeDocument/2006/relationships" xmlns:p="http://schemas.openxmlformats.org/presentationml/2006/main">
   <p:cSld>
     <p:spTree>
@@ -15439,10 +15368,9 @@
           <a:lstStyle/>
           <a:p>
             <a:r>
-              <a:rPr lang="en-US" dirty="0" smtClean="0"/>
-              <a:t>What is a standard?</a:t>
-            </a:r>
-            <a:endParaRPr lang="en-US" dirty="0"/>
+              <a:rPr lang="en-US" dirty="0"/>
+              <a:t>Time is ripe for standards and interoperability</a:t>
+            </a:r>
           </a:p>
         </p:txBody>
       </p:sp>
@@ -15462,56 +15390,38 @@
           <a:lstStyle/>
           <a:p>
             <a:r>
+              <a:rPr lang="en-US" dirty="0"/>
+              <a:t>After massive investment in electronic health records (EHRs), the “blame game” </a:t>
+            </a:r>
+            <a:r>
+              <a:rPr lang="en-US"/>
+              <a:t>should </a:t>
+            </a:r>
+            <a:r>
+              <a:rPr lang="en-US" smtClean="0"/>
+              <a:t>end.</a:t>
+            </a:r>
+            <a:endParaRPr lang="en-US" dirty="0"/>
+          </a:p>
+          <a:p>
+            <a:r>
+              <a:rPr lang="en-US" dirty="0"/>
+              <a:t>Lack of interoperability compromises coordination of </a:t>
+            </a:r>
+            <a:r>
               <a:rPr lang="en-US" dirty="0" smtClean="0"/>
-              <a:t>There’s a standard for that!</a:t>
-            </a:r>
-          </a:p>
-          <a:p>
-            <a:r>
-              <a:rPr lang="en-US" dirty="0" smtClean="0"/>
-              <a:t>From ISO, 2004 (underlined by Benson, 2012)</a:t>
-            </a:r>
-          </a:p>
-          <a:p>
-            <a:pPr lvl="1"/>
-            <a:r>
-              <a:rPr lang="en-US" dirty="0" smtClean="0"/>
-              <a:t>A standard </a:t>
-            </a:r>
-            <a:r>
-              <a:rPr lang="en-US" u="sng" dirty="0" smtClean="0"/>
-              <a:t>document</a:t>
-            </a:r>
-            <a:r>
-              <a:rPr lang="en-US" dirty="0" smtClean="0"/>
-              <a:t> established by </a:t>
-            </a:r>
-            <a:r>
-              <a:rPr lang="en-US" u="sng" dirty="0" smtClean="0"/>
-              <a:t>consensus</a:t>
-            </a:r>
-            <a:r>
-              <a:rPr lang="en-US" dirty="0" smtClean="0"/>
-              <a:t> and approved by a </a:t>
-            </a:r>
-            <a:r>
-              <a:rPr lang="en-US" u="sng" dirty="0" smtClean="0"/>
-              <a:t>recognized body </a:t>
-            </a:r>
-            <a:r>
-              <a:rPr lang="en-US" dirty="0" smtClean="0"/>
-              <a:t>that provides for common and repeated use, rules, guidelines or characteristics for activities or their results, </a:t>
-            </a:r>
-            <a:r>
-              <a:rPr lang="en-US" u="sng" dirty="0" smtClean="0"/>
-              <a:t>aimed at the optimum degree of order in a given context</a:t>
-            </a:r>
-          </a:p>
-        </p:txBody>
-      </p:sp>
-      <p:sp>
-        <p:nvSpPr>
-          <p:cNvPr id="6" name="Content Placeholder 5"/>
+              <a:t>care.</a:t>
+            </a:r>
+            <a:endParaRPr lang="en-US" dirty="0"/>
+          </a:p>
+          <a:p>
+            <a:endParaRPr lang="en-US" dirty="0"/>
+          </a:p>
+        </p:txBody>
+      </p:sp>
+      <p:sp>
+        <p:nvSpPr>
+          <p:cNvPr id="4" name="Content Placeholder 3"/>
           <p:cNvSpPr>
             <a:spLocks noGrp="1"/>
           </p:cNvSpPr>
@@ -15519,12 +15429,33 @@
             <p:ph sz="quarter" idx="14"/>
           </p:nvPr>
         </p:nvSpPr>
-        <p:spPr/>
+        <p:spPr>
+          <a:xfrm>
+            <a:off x="1143000" y="6555553"/>
+            <a:ext cx="7776029" cy="228600"/>
+          </a:xfrm>
+        </p:spPr>
         <p:txBody>
           <a:bodyPr/>
           <a:lstStyle/>
           <a:p>
-            <a:endParaRPr lang="en-US"/>
+            <a:r>
+              <a:rPr lang="en-US" dirty="0"/>
+              <a:t>(Adler-Milstein, </a:t>
+            </a:r>
+            <a:r>
+              <a:rPr lang="en-US" dirty="0"/>
+              <a:t>2017; </a:t>
+            </a:r>
+            <a:r>
+              <a:rPr lang="en-US" dirty="0" err="1"/>
+              <a:t>Samal</a:t>
+            </a:r>
+            <a:r>
+              <a:rPr lang="en-US" dirty="0"/>
+              <a:t>, 2016)</a:t>
+            </a:r>
+            <a:endParaRPr lang="en-US" dirty="0"/>
           </a:p>
         </p:txBody>
       </p:sp>
@@ -15534,20 +15465,13 @@
     </p:custDataLst>
     <p:extLst>
       <p:ext uri="{BB962C8B-B14F-4D97-AF65-F5344CB8AC3E}">
-        <p14:creationId xmlns:p14="http://schemas.microsoft.com/office/powerpoint/2010/main" val="2804596093"/>
+        <p14:creationId xmlns:p14="http://schemas.microsoft.com/office/powerpoint/2010/main" val="4056928213"/>
       </p:ext>
     </p:extLst>
   </p:cSld>
   <p:clrMapOvr>
     <a:masterClrMapping/>
   </p:clrMapOvr>
-  <p:timing>
-    <p:tnLst>
-      <p:par>
-        <p:cTn id="1" dur="indefinite" restart="never" nodeType="tmRoot"/>
-      </p:par>
-    </p:tnLst>
-  </p:timing>
 </p:sld>
 </file>
 
@@ -15570,9 +15494,9 @@
       </p:grpSpPr>
       <p:sp>
         <p:nvSpPr>
-          <p:cNvPr id="8194" name="Rectangle 2"/>
-          <p:cNvSpPr>
-            <a:spLocks noGrp="1" noChangeArrowheads="1"/>
+          <p:cNvPr id="2" name="Title 1"/>
+          <p:cNvSpPr>
+            <a:spLocks noGrp="1"/>
           </p:cNvSpPr>
           <p:nvPr>
             <p:ph type="title"/>
@@ -15580,14 +15504,12 @@
         </p:nvSpPr>
         <p:spPr/>
         <p:txBody>
-          <a:bodyPr>
-            <a:normAutofit/>
-          </a:bodyPr>
+          <a:bodyPr/>
           <a:lstStyle/>
           <a:p>
             <a:r>
               <a:rPr lang="en-US" dirty="0" smtClean="0"/>
-              <a:t>Standards facilitate interoperability</a:t>
+              <a:t>What is a standard?</a:t>
             </a:r>
             <a:endParaRPr lang="en-US" dirty="0"/>
           </a:p>
@@ -15595,9 +15517,9 @@
       </p:sp>
       <p:sp>
         <p:nvSpPr>
-          <p:cNvPr id="8195" name="Rectangle 3"/>
-          <p:cNvSpPr>
-            <a:spLocks noGrp="1" noChangeArrowheads="1"/>
+          <p:cNvPr id="3" name="Content Placeholder 2"/>
+          <p:cNvSpPr>
+            <a:spLocks noGrp="1"/>
           </p:cNvSpPr>
           <p:nvPr>
             <p:ph idx="1"/>
@@ -15605,62 +15527,60 @@
         </p:nvSpPr>
         <p:spPr/>
         <p:txBody>
-          <a:bodyPr>
-            <a:normAutofit/>
-          </a:bodyPr>
+          <a:bodyPr/>
           <a:lstStyle/>
           <a:p>
             <a:r>
               <a:rPr lang="en-US" dirty="0" smtClean="0"/>
-              <a:t>IEEE original definition, widely cited (1990)</a:t>
+              <a:t>There’s a standard for that!</a:t>
+            </a:r>
+          </a:p>
+          <a:p>
+            <a:r>
+              <a:rPr lang="en-US" dirty="0" smtClean="0"/>
+              <a:t>From ISO, 2004 (underlined by Benson, 2012)</a:t>
             </a:r>
           </a:p>
           <a:p>
             <a:pPr lvl="1"/>
             <a:r>
               <a:rPr lang="en-US" dirty="0" smtClean="0"/>
-              <a:t>“The ability of two or more systems or components to exchange information and to use the information that has been exchanged.”</a:t>
-            </a:r>
-          </a:p>
-          <a:p>
+              <a:t>A standard </a:t>
+            </a:r>
+            <a:r>
+              <a:rPr lang="en-US" u="sng" dirty="0" smtClean="0"/>
+              <a:t>document</a:t>
+            </a:r>
             <a:r>
               <a:rPr lang="en-US" dirty="0" smtClean="0"/>
-              <a:t>Extended for healthcare in 2005 by NAHIT (2005) and endorsed by 40 other healthcare organizations</a:t>
-            </a:r>
-          </a:p>
-          <a:p>
-            <a:pPr lvl="1"/>
+              <a:t> established by </a:t>
+            </a:r>
+            <a:r>
+              <a:rPr lang="en-US" u="sng" dirty="0" smtClean="0"/>
+              <a:t>consensus</a:t>
+            </a:r>
             <a:r>
               <a:rPr lang="en-US" dirty="0" smtClean="0"/>
-              <a:t>“The ability of different information technology systems and software applications to communicate; to exchange data accurately, effectively, and consistently; and to use the information that has been exchanged.”</a:t>
-            </a:r>
-          </a:p>
-          <a:p>
+              <a:t> and approved by a </a:t>
+            </a:r>
+            <a:r>
+              <a:rPr lang="en-US" u="sng" dirty="0" smtClean="0"/>
+              <a:t>recognized body </a:t>
+            </a:r>
             <a:r>
               <a:rPr lang="en-US" dirty="0" smtClean="0"/>
-              <a:t>Current IEEE definition</a:t>
-            </a:r>
-          </a:p>
-          <a:p>
-            <a:pPr lvl="1"/>
-            <a:r>
-              <a:rPr lang="en-US" dirty="0" smtClean="0"/>
-              <a:t>“Ability </a:t>
-            </a:r>
-            <a:r>
-              <a:rPr lang="en-US" dirty="0"/>
-              <a:t>of a system or a product to work with other systems or products without special effort on the part of the customer. Interoperability is made possible by the implementation of </a:t>
-            </a:r>
-            <a:r>
-              <a:rPr lang="en-US" dirty="0" smtClean="0"/>
-              <a:t>standards”</a:t>
-            </a:r>
-          </a:p>
-        </p:txBody>
-      </p:sp>
-      <p:sp>
-        <p:nvSpPr>
-          <p:cNvPr id="2" name="Content Placeholder 1"/>
+              <a:t>that provides for common and repeated use, rules, guidelines or characteristics for activities or their results, </a:t>
+            </a:r>
+            <a:r>
+              <a:rPr lang="en-US" u="sng" dirty="0" smtClean="0"/>
+              <a:t>aimed at the optimum degree of order in a given context</a:t>
+            </a:r>
+          </a:p>
+        </p:txBody>
+      </p:sp>
+      <p:sp>
+        <p:nvSpPr>
+          <p:cNvPr id="6" name="Content Placeholder 5"/>
           <p:cNvSpPr>
             <a:spLocks noGrp="1"/>
           </p:cNvSpPr>
@@ -15681,11 +15601,15 @@
     <p:custDataLst>
       <p:tags r:id="rId1"/>
     </p:custDataLst>
+    <p:extLst>
+      <p:ext uri="{BB962C8B-B14F-4D97-AF65-F5344CB8AC3E}">
+        <p14:creationId xmlns:p14="http://schemas.microsoft.com/office/powerpoint/2010/main" val="2804596093"/>
+      </p:ext>
+    </p:extLst>
   </p:cSld>
   <p:clrMapOvr>
     <a:masterClrMapping/>
   </p:clrMapOvr>
-  <p:transition/>
   <p:timing>
     <p:tnLst>
       <p:par>
@@ -15715,9 +15639,9 @@
       </p:grpSpPr>
       <p:sp>
         <p:nvSpPr>
-          <p:cNvPr id="2" name="Title 1"/>
-          <p:cNvSpPr>
-            <a:spLocks noGrp="1"/>
+          <p:cNvPr id="8194" name="Rectangle 2"/>
+          <p:cNvSpPr>
+            <a:spLocks noGrp="1" noChangeArrowheads="1"/>
           </p:cNvSpPr>
           <p:nvPr>
             <p:ph type="title"/>
@@ -15732,7 +15656,7 @@
           <a:p>
             <a:r>
               <a:rPr lang="en-US" dirty="0" smtClean="0"/>
-              <a:t>Levels of interoperability for healthcare</a:t>
+              <a:t>Standards facilitate interoperability</a:t>
             </a:r>
             <a:endParaRPr lang="en-US" dirty="0"/>
           </a:p>
@@ -15740,9 +15664,9 @@
       </p:sp>
       <p:sp>
         <p:nvSpPr>
-          <p:cNvPr id="3" name="Content Placeholder 2"/>
-          <p:cNvSpPr>
-            <a:spLocks noGrp="1"/>
+          <p:cNvPr id="8195" name="Rectangle 3"/>
+          <p:cNvSpPr>
+            <a:spLocks noGrp="1" noChangeArrowheads="1"/>
           </p:cNvSpPr>
           <p:nvPr>
             <p:ph idx="1"/>
@@ -15757,106 +15681,55 @@
           <a:p>
             <a:r>
               <a:rPr lang="en-US" dirty="0" smtClean="0"/>
-              <a:t>Level 1 – no interoperability</a:t>
+              <a:t>IEEE original definition, widely cited (1990)</a:t>
             </a:r>
           </a:p>
           <a:p>
             <a:pPr lvl="1"/>
             <a:r>
+              <a:rPr lang="en-US" dirty="0" smtClean="0"/>
+              <a:t>“The ability of two or more systems or components to exchange information and to use the information that has been exchanged.”</a:t>
+            </a:r>
+          </a:p>
+          <a:p>
+            <a:r>
+              <a:rPr lang="en-US" dirty="0" smtClean="0"/>
+              <a:t>Extended for healthcare in 2005 by NAHIT (2005) and endorsed by 40 other healthcare organizations</a:t>
+            </a:r>
+          </a:p>
+          <a:p>
+            <a:pPr lvl="1"/>
+            <a:r>
+              <a:rPr lang="en-US" dirty="0" smtClean="0"/>
+              <a:t>“The ability of different information technology systems and software applications to communicate; to exchange data accurately, effectively, and consistently; and to use the information that has been exchanged.”</a:t>
+            </a:r>
+          </a:p>
+          <a:p>
+            <a:r>
+              <a:rPr lang="en-US" dirty="0" smtClean="0"/>
+              <a:t>Current IEEE definition</a:t>
+            </a:r>
+          </a:p>
+          <a:p>
+            <a:pPr lvl="1"/>
+            <a:r>
+              <a:rPr lang="en-US" dirty="0" smtClean="0"/>
+              <a:t>“Ability </a:t>
+            </a:r>
+            <a:r>
               <a:rPr lang="en-US" dirty="0"/>
-              <a:t>e</a:t>
+              <a:t>of a system or a product to work with other systems or products without special effort on the part of the customer. Interoperability is made possible by the implementation of </a:t>
             </a:r>
             <a:r>
               <a:rPr lang="en-US" dirty="0" smtClean="0"/>
-              <a:t>.g., mail, fax, phone, etc.</a:t>
-            </a:r>
-          </a:p>
-          <a:p>
-            <a:r>
-              <a:rPr lang="en-US" dirty="0" smtClean="0"/>
-              <a:t>Level 2 – machine-transportable (structural)</a:t>
-            </a:r>
-          </a:p>
-          <a:p>
-            <a:pPr lvl="1"/>
-            <a:r>
-              <a:rPr lang="en-US" dirty="0" smtClean="0"/>
-              <a:t>Information cannot be manipulated</a:t>
-            </a:r>
-          </a:p>
-          <a:p>
-            <a:pPr lvl="1"/>
-            <a:r>
-              <a:rPr lang="en-US" dirty="0"/>
-              <a:t>e</a:t>
-            </a:r>
-            <a:r>
-              <a:rPr lang="en-US" dirty="0" smtClean="0"/>
-              <a:t>.g., scanned document, image, PDF</a:t>
-            </a:r>
-          </a:p>
-          <a:p>
-            <a:r>
-              <a:rPr lang="en-US" dirty="0" smtClean="0"/>
-              <a:t>Level 3 – machine-</a:t>
-            </a:r>
-            <a:r>
-              <a:rPr lang="en-US" dirty="0" err="1" smtClean="0"/>
-              <a:t>organizable</a:t>
-            </a:r>
-            <a:r>
-              <a:rPr lang="en-US" dirty="0" smtClean="0"/>
-              <a:t> (syntactic)</a:t>
-            </a:r>
-          </a:p>
-          <a:p>
-            <a:pPr lvl="1"/>
-            <a:r>
-              <a:rPr lang="en-US" dirty="0" smtClean="0"/>
-              <a:t>Sender and receiver must understand vocabulary</a:t>
-            </a:r>
-          </a:p>
-          <a:p>
-            <a:pPr lvl="1"/>
-            <a:r>
-              <a:rPr lang="en-US" dirty="0"/>
-              <a:t>e</a:t>
-            </a:r>
-            <a:r>
-              <a:rPr lang="en-US" dirty="0" smtClean="0"/>
-              <a:t>.g., email, files in proprietary format</a:t>
-            </a:r>
-          </a:p>
-          <a:p>
-            <a:r>
-              <a:rPr lang="en-US" dirty="0" smtClean="0"/>
-              <a:t>Level 4 – machine-interpretable (semantic)</a:t>
-            </a:r>
-          </a:p>
-          <a:p>
-            <a:pPr lvl="1"/>
-            <a:r>
-              <a:rPr lang="en-US" dirty="0" smtClean="0"/>
-              <a:t>Structured messages with standardized and coded data</a:t>
-            </a:r>
-          </a:p>
-          <a:p>
-            <a:pPr lvl="1"/>
-            <a:r>
-              <a:rPr lang="en-US" dirty="0"/>
-              <a:t>e</a:t>
-            </a:r>
-            <a:r>
-              <a:rPr lang="en-US" dirty="0" smtClean="0"/>
-              <a:t>.g., coded results from structured notes, lab, problem list, etc.</a:t>
-            </a:r>
-            <a:endParaRPr lang="en-US" dirty="0"/>
-          </a:p>
-        </p:txBody>
-      </p:sp>
-      <p:sp>
-        <p:nvSpPr>
-          <p:cNvPr id="6" name="Content Placeholder 5"/>
+              <a:t>standards”</a:t>
+            </a:r>
+          </a:p>
+        </p:txBody>
+      </p:sp>
+      <p:sp>
+        <p:nvSpPr>
+          <p:cNvPr id="2" name="Content Placeholder 1"/>
           <p:cNvSpPr>
             <a:spLocks noGrp="1"/>
           </p:cNvSpPr>
@@ -15864,20 +15737,12 @@
             <p:ph sz="quarter" idx="14"/>
           </p:nvPr>
         </p:nvSpPr>
-        <p:spPr>
-          <a:xfrm>
-            <a:off x="6781800" y="6555553"/>
-            <a:ext cx="2137229" cy="228600"/>
-          </a:xfrm>
-        </p:spPr>
+        <p:spPr/>
         <p:txBody>
           <a:bodyPr/>
           <a:lstStyle/>
           <a:p>
-            <a:r>
-              <a:rPr lang="en-US" dirty="0"/>
-              <a:t>(Walker, 2005)</a:t>
-            </a:r>
+            <a:endParaRPr lang="en-US"/>
           </a:p>
         </p:txBody>
       </p:sp>
@@ -15885,15 +15750,11 @@
     <p:custDataLst>
       <p:tags r:id="rId1"/>
     </p:custDataLst>
-    <p:extLst>
-      <p:ext uri="{BB962C8B-B14F-4D97-AF65-F5344CB8AC3E}">
-        <p14:creationId xmlns:p14="http://schemas.microsoft.com/office/powerpoint/2010/main" val="1479770869"/>
-      </p:ext>
-    </p:extLst>
   </p:cSld>
   <p:clrMapOvr>
     <a:masterClrMapping/>
   </p:clrMapOvr>
+  <p:transition/>
   <p:timing>
     <p:tnLst>
       <p:par>
@@ -15923,9 +15784,9 @@
       </p:grpSpPr>
       <p:sp>
         <p:nvSpPr>
-          <p:cNvPr id="6146" name="Rectangle 2"/>
-          <p:cNvSpPr>
-            <a:spLocks noGrp="1" noChangeArrowheads="1"/>
+          <p:cNvPr id="2" name="Title 1"/>
+          <p:cNvSpPr>
+            <a:spLocks noGrp="1"/>
           </p:cNvSpPr>
           <p:nvPr>
             <p:ph type="title"/>
@@ -15938,26 +15799,19 @@
           </a:bodyPr>
           <a:lstStyle/>
           <a:p>
-            <a:pPr>
-              <a:defRPr/>
-            </a:pPr>
-            <a:r>
-              <a:rPr lang="en-US" dirty="0" smtClean="0">
-                <a:ea typeface="+mj-ea"/>
-              </a:rPr>
-              <a:t>Value of standards throughout history</a:t>
-            </a:r>
-            <a:endParaRPr lang="en-US" dirty="0">
-              <a:ea typeface="+mj-ea"/>
-            </a:endParaRPr>
-          </a:p>
-        </p:txBody>
-      </p:sp>
-      <p:sp>
-        <p:nvSpPr>
-          <p:cNvPr id="11267" name="Rectangle 3"/>
-          <p:cNvSpPr>
-            <a:spLocks noGrp="1" noChangeArrowheads="1"/>
+            <a:r>
+              <a:rPr lang="en-US" dirty="0" smtClean="0"/>
+              <a:t>Levels of interoperability for healthcare</a:t>
+            </a:r>
+            <a:endParaRPr lang="en-US" dirty="0"/>
+          </a:p>
+        </p:txBody>
+      </p:sp>
+      <p:sp>
+        <p:nvSpPr>
+          <p:cNvPr id="3" name="Content Placeholder 2"/>
+          <p:cNvSpPr>
+            <a:spLocks noGrp="1"/>
           </p:cNvSpPr>
           <p:nvPr>
             <p:ph idx="1"/>
@@ -15971,98 +15825,107 @@
           <a:lstStyle/>
           <a:p>
             <a:r>
-              <a:rPr lang="en-US" dirty="0">
-                <a:latin typeface="+mn-lt"/>
-              </a:rPr>
-              <a:t>Roman chariots</a:t>
-            </a:r>
-          </a:p>
-          <a:p>
-            <a:r>
-              <a:rPr lang="en-US" dirty="0">
-                <a:latin typeface="+mn-lt"/>
-              </a:rPr>
-              <a:t>Railroad tracks</a:t>
-            </a:r>
-          </a:p>
-          <a:p>
-            <a:r>
-              <a:rPr lang="en-US" dirty="0">
-                <a:latin typeface="+mn-lt"/>
-              </a:rPr>
-              <a:t>Telephones</a:t>
-            </a:r>
-          </a:p>
-          <a:p>
-            <a:r>
-              <a:rPr lang="en-US" dirty="0">
-                <a:latin typeface="+mn-lt"/>
-              </a:rPr>
-              <a:t>ASCII text in computers</a:t>
-            </a:r>
-          </a:p>
-          <a:p>
-            <a:r>
-              <a:rPr lang="en-US" dirty="0">
-                <a:latin typeface="+mn-lt"/>
-              </a:rPr>
-              <a:t>Wi-Fi to connect </a:t>
-            </a:r>
-            <a:r>
-              <a:rPr lang="en-US" dirty="0" smtClean="0">
-                <a:latin typeface="+mn-lt"/>
-              </a:rPr>
-              <a:t>computers, </a:t>
-            </a:r>
-            <a:r>
-              <a:rPr lang="en-US" dirty="0">
-                <a:latin typeface="+mn-lt"/>
-              </a:rPr>
-              <a:t>smartphones, </a:t>
-            </a:r>
-            <a:r>
-              <a:rPr lang="en-US" dirty="0" smtClean="0">
-                <a:latin typeface="+mn-lt"/>
-              </a:rPr>
-              <a:t>tablets, etc</a:t>
-            </a:r>
-            <a:r>
-              <a:rPr lang="en-US" dirty="0">
-                <a:latin typeface="+mn-lt"/>
-              </a:rPr>
-              <a:t>. wirelessly to the </a:t>
-            </a:r>
-            <a:r>
-              <a:rPr lang="en-US" dirty="0" smtClean="0">
-                <a:latin typeface="+mn-lt"/>
-              </a:rPr>
-              <a:t>Internet</a:t>
-            </a:r>
-          </a:p>
-          <a:p>
-            <a:r>
-              <a:rPr lang="en-US" dirty="0" smtClean="0">
-                <a:latin typeface="+mn-lt"/>
-              </a:rPr>
-              <a:t>Global financial transactions</a:t>
-            </a:r>
-            <a:endParaRPr lang="en-US" dirty="0">
-              <a:latin typeface="+mn-lt"/>
-            </a:endParaRPr>
-          </a:p>
-          <a:p>
-            <a:r>
-              <a:rPr lang="en-US" dirty="0">
-                <a:latin typeface="+mn-lt"/>
-              </a:rPr>
-              <a:t>Other examples?</a:t>
-            </a:r>
-          </a:p>
-        </p:txBody>
-      </p:sp>
-      <p:sp>
-        <p:nvSpPr>
-          <p:cNvPr id="2" name="Content Placeholder 1"/>
+              <a:rPr lang="en-US" dirty="0" smtClean="0"/>
+              <a:t>Level 1 – no interoperability</a:t>
+            </a:r>
+          </a:p>
+          <a:p>
+            <a:pPr lvl="1"/>
+            <a:r>
+              <a:rPr lang="en-US" dirty="0"/>
+              <a:t>e</a:t>
+            </a:r>
+            <a:r>
+              <a:rPr lang="en-US" dirty="0" smtClean="0"/>
+              <a:t>.g., mail, fax, phone, etc.</a:t>
+            </a:r>
+          </a:p>
+          <a:p>
+            <a:r>
+              <a:rPr lang="en-US" dirty="0" smtClean="0"/>
+              <a:t>Level 2 – machine-transportable (structural)</a:t>
+            </a:r>
+          </a:p>
+          <a:p>
+            <a:pPr lvl="1"/>
+            <a:r>
+              <a:rPr lang="en-US" dirty="0" smtClean="0"/>
+              <a:t>Information cannot be manipulated</a:t>
+            </a:r>
+          </a:p>
+          <a:p>
+            <a:pPr lvl="1"/>
+            <a:r>
+              <a:rPr lang="en-US" dirty="0"/>
+              <a:t>e</a:t>
+            </a:r>
+            <a:r>
+              <a:rPr lang="en-US" dirty="0" smtClean="0"/>
+              <a:t>.g., scanned document, image, PDF</a:t>
+            </a:r>
+          </a:p>
+          <a:p>
+            <a:r>
+              <a:rPr lang="en-US" dirty="0" smtClean="0"/>
+              <a:t>Level 3 – machine-</a:t>
+            </a:r>
+            <a:r>
+              <a:rPr lang="en-US" dirty="0" err="1" smtClean="0"/>
+              <a:t>organizable</a:t>
+            </a:r>
+            <a:r>
+              <a:rPr lang="en-US" dirty="0" smtClean="0"/>
+              <a:t> (syntactic)</a:t>
+            </a:r>
+          </a:p>
+          <a:p>
+            <a:pPr lvl="1"/>
+            <a:r>
+              <a:rPr lang="en-US" dirty="0" smtClean="0"/>
+              <a:t>Sender and receiver must understand vocabulary</a:t>
+            </a:r>
+          </a:p>
+          <a:p>
+            <a:pPr lvl="1"/>
+            <a:r>
+              <a:rPr lang="en-US" dirty="0"/>
+              <a:t>e</a:t>
+            </a:r>
+            <a:r>
+              <a:rPr lang="en-US" dirty="0" smtClean="0"/>
+              <a:t>.g., email, files in proprietary format</a:t>
+            </a:r>
+          </a:p>
+          <a:p>
+            <a:r>
+              <a:rPr lang="en-US" dirty="0" smtClean="0"/>
+              <a:t>Level 4 – machine-interpretable (semantic)</a:t>
+            </a:r>
+          </a:p>
+          <a:p>
+            <a:pPr lvl="1"/>
+            <a:r>
+              <a:rPr lang="en-US" dirty="0" smtClean="0"/>
+              <a:t>Structured messages with standardized and coded data</a:t>
+            </a:r>
+          </a:p>
+          <a:p>
+            <a:pPr lvl="1"/>
+            <a:r>
+              <a:rPr lang="en-US" dirty="0"/>
+              <a:t>e</a:t>
+            </a:r>
+            <a:r>
+              <a:rPr lang="en-US" dirty="0" smtClean="0"/>
+              <a:t>.g., coded results from structured notes, lab, problem list, etc.</a:t>
+            </a:r>
+            <a:endParaRPr lang="en-US" dirty="0"/>
+          </a:p>
+        </p:txBody>
+      </p:sp>
+      <p:sp>
+        <p:nvSpPr>
+          <p:cNvPr id="6" name="Content Placeholder 5"/>
           <p:cNvSpPr>
             <a:spLocks noGrp="1"/>
           </p:cNvSpPr>
@@ -16070,12 +15933,20 @@
             <p:ph sz="quarter" idx="14"/>
           </p:nvPr>
         </p:nvSpPr>
-        <p:spPr/>
+        <p:spPr>
+          <a:xfrm>
+            <a:off x="6781800" y="6555553"/>
+            <a:ext cx="2137229" cy="228600"/>
+          </a:xfrm>
+        </p:spPr>
         <p:txBody>
           <a:bodyPr/>
           <a:lstStyle/>
           <a:p>
-            <a:endParaRPr lang="en-US"/>
+            <a:r>
+              <a:rPr lang="en-US" dirty="0"/>
+              <a:t>(Walker, 2005)</a:t>
+            </a:r>
           </a:p>
         </p:txBody>
       </p:sp>
@@ -16083,11 +15954,15 @@
     <p:custDataLst>
       <p:tags r:id="rId1"/>
     </p:custDataLst>
+    <p:extLst>
+      <p:ext uri="{BB962C8B-B14F-4D97-AF65-F5344CB8AC3E}">
+        <p14:creationId xmlns:p14="http://schemas.microsoft.com/office/powerpoint/2010/main" val="1479770869"/>
+      </p:ext>
+    </p:extLst>
   </p:cSld>
   <p:clrMapOvr>
     <a:masterClrMapping/>
   </p:clrMapOvr>
-  <p:transition/>
   <p:timing>
     <p:tnLst>
       <p:par>
@@ -16117,35 +15992,12 @@
       </p:grpSpPr>
       <p:sp>
         <p:nvSpPr>
-          <p:cNvPr id="7176" name="Rectangle 8"/>
+          <p:cNvPr id="6146" name="Rectangle 2"/>
           <p:cNvSpPr>
             <a:spLocks noGrp="1" noChangeArrowheads="1"/>
           </p:cNvSpPr>
           <p:nvPr>
             <p:ph type="title"/>
-          </p:nvPr>
-        </p:nvSpPr>
-        <p:spPr/>
-        <p:txBody>
-          <a:bodyPr/>
-          <a:lstStyle/>
-          <a:p>
-            <a:r>
-              <a:rPr lang="en-US" dirty="0" smtClean="0"/>
-              <a:t>Benefits and limitations of standards</a:t>
-            </a:r>
-            <a:endParaRPr lang="en-US" dirty="0"/>
-          </a:p>
-        </p:txBody>
-      </p:sp>
-      <p:sp>
-        <p:nvSpPr>
-          <p:cNvPr id="12291" name="Rectangle 9"/>
-          <p:cNvSpPr>
-            <a:spLocks noGrp="1" noChangeArrowheads="1"/>
-          </p:cNvSpPr>
-          <p:nvPr>
-            <p:ph idx="1"/>
           </p:nvPr>
         </p:nvSpPr>
         <p:spPr/>
@@ -16155,99 +16007,125 @@
           </a:bodyPr>
           <a:lstStyle/>
           <a:p>
-            <a:r>
-              <a:rPr lang="en-US" dirty="0" smtClean="0"/>
-              <a:t>Benefits</a:t>
-            </a:r>
-          </a:p>
-          <a:p>
-            <a:pPr lvl="1"/>
-            <a:r>
-              <a:rPr lang="en-US" dirty="0" smtClean="0"/>
-              <a:t>Interoperability</a:t>
-            </a:r>
-          </a:p>
-          <a:p>
-            <a:pPr lvl="1"/>
-            <a:r>
-              <a:rPr lang="en-US" dirty="0" smtClean="0"/>
-              <a:t>May allow innovation based on common foundation</a:t>
-            </a:r>
-          </a:p>
-          <a:p>
-            <a:r>
-              <a:rPr lang="en-US" dirty="0" smtClean="0"/>
-              <a:t>Limitations</a:t>
-            </a:r>
-          </a:p>
-          <a:p>
-            <a:pPr lvl="1"/>
-            <a:r>
-              <a:rPr lang="en-US" dirty="0" smtClean="0"/>
-              <a:t>Dominance by one segment of industry</a:t>
-            </a:r>
-          </a:p>
-          <a:p>
-            <a:pPr lvl="1"/>
-            <a:r>
-              <a:rPr lang="en-US" dirty="0" smtClean="0"/>
-              <a:t>May stifle innovation</a:t>
-            </a:r>
-          </a:p>
-          <a:p>
-            <a:r>
-              <a:rPr lang="en-US" dirty="0" smtClean="0"/>
-              <a:t>May be a mixed bag</a:t>
-            </a:r>
-          </a:p>
-          <a:p>
-            <a:pPr lvl="1"/>
-            <a:r>
-              <a:rPr lang="en-US" dirty="0" smtClean="0"/>
-              <a:t>Microsoft </a:t>
-            </a:r>
-            <a:r>
-              <a:rPr lang="en-US" altLang="ja-JP" dirty="0" smtClean="0"/>
-              <a:t>“</a:t>
-            </a:r>
-            <a:r>
-              <a:rPr lang="en-US" dirty="0" smtClean="0"/>
-              <a:t>standards,</a:t>
-            </a:r>
-            <a:r>
-              <a:rPr lang="en-US" altLang="ja-JP" dirty="0" smtClean="0"/>
-              <a:t>”</a:t>
-            </a:r>
-            <a:r>
-              <a:rPr lang="en-US" dirty="0" smtClean="0"/>
-              <a:t> e.g., Windows, Office, etc.</a:t>
-            </a:r>
-          </a:p>
-          <a:p>
-            <a:pPr lvl="1"/>
-            <a:r>
-              <a:rPr lang="en-US" dirty="0" smtClean="0"/>
-              <a:t>Ever hear of Esperanto? Why did English prevail?  (Patterson, 1999)</a:t>
-            </a:r>
-          </a:p>
-          <a:p>
-            <a:pPr lvl="1"/>
-            <a:r>
-              <a:rPr lang="en-US" dirty="0" smtClean="0"/>
-              <a:t>“The nice thing about standards is that there are so many of them to choose from.” (</a:t>
-            </a:r>
-            <a:r>
-              <a:rPr lang="en-US" dirty="0" err="1" smtClean="0"/>
-              <a:t>Tanenbaum</a:t>
-            </a:r>
-            <a:r>
-              <a:rPr lang="en-US" dirty="0" smtClean="0"/>
-              <a:t>, 2010 – disputed)</a:t>
-            </a:r>
-          </a:p>
-          <a:p>
-            <a:pPr lvl="1"/>
-            <a:endParaRPr lang="en-US" dirty="0"/>
+            <a:pPr>
+              <a:defRPr/>
+            </a:pPr>
+            <a:r>
+              <a:rPr lang="en-US" dirty="0" smtClean="0">
+                <a:ea typeface="+mj-ea"/>
+              </a:rPr>
+              <a:t>Value of standards throughout history</a:t>
+            </a:r>
+            <a:endParaRPr lang="en-US" dirty="0">
+              <a:ea typeface="+mj-ea"/>
+            </a:endParaRPr>
+          </a:p>
+        </p:txBody>
+      </p:sp>
+      <p:sp>
+        <p:nvSpPr>
+          <p:cNvPr id="11267" name="Rectangle 3"/>
+          <p:cNvSpPr>
+            <a:spLocks noGrp="1" noChangeArrowheads="1"/>
+          </p:cNvSpPr>
+          <p:nvPr>
+            <p:ph idx="1"/>
+          </p:nvPr>
+        </p:nvSpPr>
+        <p:spPr/>
+        <p:txBody>
+          <a:bodyPr>
+            <a:normAutofit/>
+          </a:bodyPr>
+          <a:lstStyle/>
+          <a:p>
+            <a:r>
+              <a:rPr lang="en-US" dirty="0">
+                <a:latin typeface="+mn-lt"/>
+              </a:rPr>
+              <a:t>Roman chariots</a:t>
+            </a:r>
+          </a:p>
+          <a:p>
+            <a:r>
+              <a:rPr lang="en-US" dirty="0">
+                <a:latin typeface="+mn-lt"/>
+              </a:rPr>
+              <a:t>Railroad tracks</a:t>
+            </a:r>
+          </a:p>
+          <a:p>
+            <a:r>
+              <a:rPr lang="en-US" dirty="0">
+                <a:latin typeface="+mn-lt"/>
+              </a:rPr>
+              <a:t>Telephones</a:t>
+            </a:r>
+          </a:p>
+          <a:p>
+            <a:r>
+              <a:rPr lang="en-US" dirty="0">
+                <a:latin typeface="+mn-lt"/>
+              </a:rPr>
+              <a:t>ASCII text in computers</a:t>
+            </a:r>
+          </a:p>
+          <a:p>
+            <a:r>
+              <a:rPr lang="en-US" dirty="0">
+                <a:latin typeface="+mn-lt"/>
+              </a:rPr>
+              <a:t>Wi-Fi to connect </a:t>
+            </a:r>
+            <a:r>
+              <a:rPr lang="en-US" dirty="0" smtClean="0">
+                <a:latin typeface="+mn-lt"/>
+              </a:rPr>
+              <a:t>computers, </a:t>
+            </a:r>
+            <a:r>
+              <a:rPr lang="en-US" dirty="0">
+                <a:latin typeface="+mn-lt"/>
+              </a:rPr>
+              <a:t>smartphones, </a:t>
+            </a:r>
+            <a:r>
+              <a:rPr lang="en-US" dirty="0" smtClean="0">
+                <a:latin typeface="+mn-lt"/>
+              </a:rPr>
+              <a:t>tablets, etc</a:t>
+            </a:r>
+            <a:r>
+              <a:rPr lang="en-US" dirty="0">
+                <a:latin typeface="+mn-lt"/>
+              </a:rPr>
+              <a:t>. wirelessly to the </a:t>
+            </a:r>
+            <a:r>
+              <a:rPr lang="en-US" dirty="0" smtClean="0">
+                <a:latin typeface="+mn-lt"/>
+              </a:rPr>
+              <a:t>Internet</a:t>
+            </a:r>
+          </a:p>
+          <a:p>
+            <a:r>
+              <a:rPr lang="en-US" dirty="0" smtClean="0">
+                <a:latin typeface="+mn-lt"/>
+              </a:rPr>
+              <a:t>Global financial transactions</a:t>
+            </a:r>
+            <a:endParaRPr lang="en-US" dirty="0">
+              <a:latin typeface="+mn-lt"/>
+            </a:endParaRPr>
+          </a:p>
+          <a:p>
+            <a:r>
+              <a:rPr lang="en-US" dirty="0">
+                <a:latin typeface="+mn-lt"/>
+              </a:rPr>
+              <a:t>Other examples?</a:t>
+            </a:r>
           </a:p>
         </p:txBody>
       </p:sp>
@@ -16261,23 +16139,12 @@
             <p:ph sz="quarter" idx="14"/>
           </p:nvPr>
         </p:nvSpPr>
-        <p:spPr>
-          <a:xfrm>
-            <a:off x="6096000" y="6555553"/>
-            <a:ext cx="2823029" cy="228600"/>
-          </a:xfrm>
-        </p:spPr>
+        <p:spPr/>
         <p:txBody>
           <a:bodyPr/>
           <a:lstStyle/>
           <a:p>
-            <a:r>
-              <a:rPr lang="en-US" dirty="0"/>
-              <a:t>(Patterson, 1999)</a:t>
-            </a:r>
-          </a:p>
-          <a:p>
-            <a:endParaRPr lang="en-US" dirty="0"/>
+            <a:endParaRPr lang="en-US"/>
           </a:p>
         </p:txBody>
       </p:sp>
@@ -16319,7 +16186,7 @@
       </p:grpSpPr>
       <p:sp>
         <p:nvSpPr>
-          <p:cNvPr id="9218" name="Rectangle 2"/>
+          <p:cNvPr id="7176" name="Rectangle 8"/>
           <p:cNvSpPr>
             <a:spLocks noGrp="1" noChangeArrowheads="1"/>
           </p:cNvSpPr>
@@ -16329,118 +16196,157 @@
         </p:nvSpPr>
         <p:spPr/>
         <p:txBody>
+          <a:bodyPr/>
+          <a:lstStyle/>
+          <a:p>
+            <a:r>
+              <a:rPr lang="en-US" dirty="0" smtClean="0"/>
+              <a:t>Benefits and limitations of standards</a:t>
+            </a:r>
+            <a:endParaRPr lang="en-US" dirty="0"/>
+          </a:p>
+        </p:txBody>
+      </p:sp>
+      <p:sp>
+        <p:nvSpPr>
+          <p:cNvPr id="12291" name="Rectangle 9"/>
+          <p:cNvSpPr>
+            <a:spLocks noGrp="1" noChangeArrowheads="1"/>
+          </p:cNvSpPr>
+          <p:nvPr>
+            <p:ph idx="1"/>
+          </p:nvPr>
+        </p:nvSpPr>
+        <p:spPr/>
+        <p:txBody>
           <a:bodyPr>
-            <a:normAutofit fontScale="90000"/>
+            <a:normAutofit/>
           </a:bodyPr>
           <a:lstStyle/>
           <a:p>
-            <a:pPr eaLnBrk="1" hangingPunct="1"/>
-            <a:r>
-              <a:rPr lang="en-US" sz="4000" dirty="0"/>
-              <a:t>The standards development process – four </a:t>
-            </a:r>
-            <a:r>
-              <a:rPr lang="en-US" sz="4000" dirty="0" smtClean="0"/>
-              <a:t>approaches</a:t>
-            </a:r>
-            <a:endParaRPr lang="en-US" sz="4000" dirty="0"/>
-          </a:p>
-        </p:txBody>
-      </p:sp>
-      <p:sp>
-        <p:nvSpPr>
-          <p:cNvPr id="13315" name="Rectangle 3"/>
-          <p:cNvSpPr>
-            <a:spLocks noGrp="1" noChangeArrowheads="1"/>
-          </p:cNvSpPr>
-          <p:nvPr>
-            <p:ph idx="1"/>
-          </p:nvPr>
-        </p:nvSpPr>
-        <p:spPr/>
+            <a:r>
+              <a:rPr lang="en-US" dirty="0" smtClean="0"/>
+              <a:t>Benefits</a:t>
+            </a:r>
+          </a:p>
+          <a:p>
+            <a:pPr lvl="1"/>
+            <a:r>
+              <a:rPr lang="en-US" dirty="0" smtClean="0"/>
+              <a:t>Interoperability</a:t>
+            </a:r>
+          </a:p>
+          <a:p>
+            <a:pPr lvl="1"/>
+            <a:r>
+              <a:rPr lang="en-US" dirty="0" smtClean="0"/>
+              <a:t>May allow innovation based on common foundation</a:t>
+            </a:r>
+          </a:p>
+          <a:p>
+            <a:r>
+              <a:rPr lang="en-US" dirty="0" smtClean="0"/>
+              <a:t>Limitations</a:t>
+            </a:r>
+          </a:p>
+          <a:p>
+            <a:pPr lvl="1"/>
+            <a:r>
+              <a:rPr lang="en-US" dirty="0" smtClean="0"/>
+              <a:t>Dominance by one segment of industry</a:t>
+            </a:r>
+          </a:p>
+          <a:p>
+            <a:pPr lvl="1"/>
+            <a:r>
+              <a:rPr lang="en-US" dirty="0" smtClean="0"/>
+              <a:t>May stifle innovation</a:t>
+            </a:r>
+          </a:p>
+          <a:p>
+            <a:r>
+              <a:rPr lang="en-US" dirty="0" smtClean="0"/>
+              <a:t>May be a mixed bag</a:t>
+            </a:r>
+          </a:p>
+          <a:p>
+            <a:pPr lvl="1"/>
+            <a:r>
+              <a:rPr lang="en-US" dirty="0" smtClean="0"/>
+              <a:t>Microsoft </a:t>
+            </a:r>
+            <a:r>
+              <a:rPr lang="en-US" altLang="ja-JP" dirty="0" smtClean="0"/>
+              <a:t>“</a:t>
+            </a:r>
+            <a:r>
+              <a:rPr lang="en-US" dirty="0" smtClean="0"/>
+              <a:t>standards,</a:t>
+            </a:r>
+            <a:r>
+              <a:rPr lang="en-US" altLang="ja-JP" dirty="0" smtClean="0"/>
+              <a:t>”</a:t>
+            </a:r>
+            <a:r>
+              <a:rPr lang="en-US" dirty="0" smtClean="0"/>
+              <a:t> e.g., Windows, Office, etc.</a:t>
+            </a:r>
+          </a:p>
+          <a:p>
+            <a:pPr lvl="1"/>
+            <a:r>
+              <a:rPr lang="en-US" dirty="0" smtClean="0"/>
+              <a:t>Ever hear of Esperanto? Why did English prevail?  (Patterson, 1999)</a:t>
+            </a:r>
+          </a:p>
+          <a:p>
+            <a:pPr lvl="1"/>
+            <a:r>
+              <a:rPr lang="en-US" dirty="0" smtClean="0"/>
+              <a:t>“The nice thing about standards is that there are so many of them to choose from.” (</a:t>
+            </a:r>
+            <a:r>
+              <a:rPr lang="en-US" dirty="0" err="1" smtClean="0"/>
+              <a:t>Tanenbaum</a:t>
+            </a:r>
+            <a:r>
+              <a:rPr lang="en-US" dirty="0" smtClean="0"/>
+              <a:t>, 2010 – disputed)</a:t>
+            </a:r>
+          </a:p>
+          <a:p>
+            <a:pPr lvl="1"/>
+            <a:endParaRPr lang="en-US" dirty="0"/>
+          </a:p>
+        </p:txBody>
+      </p:sp>
+      <p:sp>
+        <p:nvSpPr>
+          <p:cNvPr id="2" name="Content Placeholder 1"/>
+          <p:cNvSpPr>
+            <a:spLocks noGrp="1"/>
+          </p:cNvSpPr>
+          <p:nvPr>
+            <p:ph sz="quarter" idx="14"/>
+          </p:nvPr>
+        </p:nvSpPr>
+        <p:spPr>
+          <a:xfrm>
+            <a:off x="6096000" y="6555553"/>
+            <a:ext cx="2823029" cy="228600"/>
+          </a:xfrm>
+        </p:spPr>
         <p:txBody>
           <a:bodyPr/>
           <a:lstStyle/>
           <a:p>
-            <a:pPr eaLnBrk="1" hangingPunct="1"/>
-            <a:r>
-              <a:rPr lang="en-US">
-                <a:latin typeface="Calibri" charset="0"/>
-              </a:rPr>
-              <a:t>Ad hoc – groups agree to informal specifications</a:t>
-            </a:r>
-            <a:endParaRPr lang="en-US">
-              <a:solidFill>
-                <a:srgbClr val="7F7F7F"/>
-              </a:solidFill>
-              <a:latin typeface="Calibri" charset="0"/>
-            </a:endParaRPr>
-          </a:p>
-          <a:p>
-            <a:pPr eaLnBrk="1" hangingPunct="1"/>
-            <a:r>
-              <a:rPr lang="en-US">
-                <a:latin typeface="Calibri" charset="0"/>
-              </a:rPr>
-              <a:t>De facto – single vendor controls industry</a:t>
-            </a:r>
-            <a:endParaRPr lang="en-US">
-              <a:solidFill>
-                <a:srgbClr val="7F7F7F"/>
-              </a:solidFill>
-              <a:latin typeface="Calibri" charset="0"/>
-            </a:endParaRPr>
-          </a:p>
-          <a:p>
-            <a:pPr eaLnBrk="1" hangingPunct="1"/>
-            <a:r>
-              <a:rPr lang="en-US">
-                <a:latin typeface="Calibri" charset="0"/>
-              </a:rPr>
-              <a:t>Government mandate – government agency creates standard and mandates its use</a:t>
-            </a:r>
-            <a:endParaRPr lang="en-US">
-              <a:solidFill>
-                <a:srgbClr val="7F7F7F"/>
-              </a:solidFill>
-              <a:latin typeface="Calibri" charset="0"/>
-            </a:endParaRPr>
-          </a:p>
-          <a:p>
-            <a:pPr eaLnBrk="1" hangingPunct="1"/>
-            <a:r>
-              <a:rPr lang="en-US">
-                <a:latin typeface="Calibri" charset="0"/>
-              </a:rPr>
-              <a:t>Consensus – interested parties work in open process</a:t>
-            </a:r>
-          </a:p>
-        </p:txBody>
-      </p:sp>
-      <p:sp>
-        <p:nvSpPr>
-          <p:cNvPr id="2" name="Content Placeholder 1"/>
-          <p:cNvSpPr>
-            <a:spLocks noGrp="1"/>
-          </p:cNvSpPr>
-          <p:nvPr>
-            <p:ph sz="quarter" idx="14"/>
-          </p:nvPr>
-        </p:nvSpPr>
-        <p:spPr>
-          <a:xfrm>
-            <a:off x="7543800" y="6431664"/>
-            <a:ext cx="1447800" cy="197736"/>
-          </a:xfrm>
-        </p:spPr>
-        <p:txBody>
-          <a:bodyPr/>
-          <a:lstStyle/>
-          <a:p>
             <a:r>
               <a:rPr lang="en-US" dirty="0"/>
-              <a:t>(Hammond, 2014)</a:t>
-            </a:r>
+              <a:t>(Patterson, 1999)</a:t>
+            </a:r>
+          </a:p>
+          <a:p>
+            <a:endParaRPr lang="en-US" dirty="0"/>
           </a:p>
         </p:txBody>
       </p:sp>
@@ -16482,7 +16388,7 @@
       </p:grpSpPr>
       <p:sp>
         <p:nvSpPr>
-          <p:cNvPr id="15362" name="Rectangle 7"/>
+          <p:cNvPr id="9218" name="Rectangle 2"/>
           <p:cNvSpPr>
             <a:spLocks noGrp="1" noChangeArrowheads="1"/>
           </p:cNvSpPr>
@@ -16493,71 +16399,31 @@
         <p:spPr/>
         <p:txBody>
           <a:bodyPr>
-            <a:normAutofit/>
+            <a:normAutofit fontScale="90000"/>
           </a:bodyPr>
           <a:lstStyle/>
           <a:p>
-            <a:r>
-              <a:rPr lang="en-US" dirty="0" smtClean="0"/>
-              <a:t>Some US standards bodies (private, non-profit)</a:t>
-            </a:r>
-          </a:p>
-        </p:txBody>
-      </p:sp>
-      <p:sp>
-        <p:nvSpPr>
-          <p:cNvPr id="15363" name="Rectangle 8"/>
+            <a:pPr eaLnBrk="1" hangingPunct="1"/>
+            <a:r>
+              <a:rPr lang="en-US" sz="4000" dirty="0"/>
+              <a:t>The standards development process – four </a:t>
+            </a:r>
+            <a:r>
+              <a:rPr lang="en-US" sz="4000" dirty="0" smtClean="0"/>
+              <a:t>approaches</a:t>
+            </a:r>
+            <a:endParaRPr lang="en-US" sz="4000" dirty="0"/>
+          </a:p>
+        </p:txBody>
+      </p:sp>
+      <p:sp>
+        <p:nvSpPr>
+          <p:cNvPr id="13315" name="Rectangle 3"/>
           <p:cNvSpPr>
             <a:spLocks noGrp="1" noChangeArrowheads="1"/>
           </p:cNvSpPr>
           <p:nvPr>
             <p:ph idx="1"/>
-          </p:nvPr>
-        </p:nvSpPr>
-        <p:spPr/>
-        <p:txBody>
-          <a:bodyPr>
-            <a:normAutofit/>
-          </a:bodyPr>
-          <a:lstStyle/>
-          <a:p>
-            <a:r>
-              <a:rPr lang="en-US" dirty="0" smtClean="0"/>
-              <a:t>American National Standards Institute (ANSI) that accredits standards development organizations (SDOs), including in healthcare</a:t>
-            </a:r>
-          </a:p>
-          <a:p>
-            <a:pPr lvl="1"/>
-            <a:r>
-              <a:rPr lang="en-US" dirty="0" smtClean="0"/>
-              <a:t>Accredited Standards Committee (ASC) X12</a:t>
-            </a:r>
-          </a:p>
-          <a:p>
-            <a:pPr lvl="1"/>
-            <a:r>
-              <a:rPr lang="en-US" dirty="0" smtClean="0"/>
-              <a:t>Health Level 7 (HL7)</a:t>
-            </a:r>
-          </a:p>
-          <a:p>
-            <a:pPr lvl="1"/>
-            <a:r>
-              <a:rPr lang="en-US" dirty="0" smtClean="0"/>
-              <a:t>American Society for Testing and Materials (ASTM), which has a Committee E31 on Healthcare Informatics</a:t>
-            </a:r>
-            <a:endParaRPr lang="en-US" dirty="0"/>
-          </a:p>
-        </p:txBody>
-      </p:sp>
-      <p:sp>
-        <p:nvSpPr>
-          <p:cNvPr id="2" name="Content Placeholder 1"/>
-          <p:cNvSpPr>
-            <a:spLocks noGrp="1"/>
-          </p:cNvSpPr>
-          <p:nvPr>
-            <p:ph sz="quarter" idx="14"/>
           </p:nvPr>
         </p:nvSpPr>
         <p:spPr/>
@@ -16565,7 +16431,85 @@
           <a:bodyPr/>
           <a:lstStyle/>
           <a:p>
-            <a:endParaRPr lang="en-US"/>
+            <a:pPr eaLnBrk="1" hangingPunct="1"/>
+            <a:r>
+              <a:rPr lang="en-US">
+                <a:latin typeface="Calibri" charset="0"/>
+              </a:rPr>
+              <a:t>Ad hoc – groups agree to informal specifications</a:t>
+            </a:r>
+            <a:endParaRPr lang="en-US">
+              <a:solidFill>
+                <a:srgbClr val="7F7F7F"/>
+              </a:solidFill>
+              <a:latin typeface="Calibri" charset="0"/>
+            </a:endParaRPr>
+          </a:p>
+          <a:p>
+            <a:pPr eaLnBrk="1" hangingPunct="1"/>
+            <a:r>
+              <a:rPr lang="en-US">
+                <a:latin typeface="Calibri" charset="0"/>
+              </a:rPr>
+              <a:t>De facto – single vendor controls industry</a:t>
+            </a:r>
+            <a:endParaRPr lang="en-US">
+              <a:solidFill>
+                <a:srgbClr val="7F7F7F"/>
+              </a:solidFill>
+              <a:latin typeface="Calibri" charset="0"/>
+            </a:endParaRPr>
+          </a:p>
+          <a:p>
+            <a:pPr eaLnBrk="1" hangingPunct="1"/>
+            <a:r>
+              <a:rPr lang="en-US">
+                <a:latin typeface="Calibri" charset="0"/>
+              </a:rPr>
+              <a:t>Government mandate – government agency creates standard and mandates its use</a:t>
+            </a:r>
+            <a:endParaRPr lang="en-US">
+              <a:solidFill>
+                <a:srgbClr val="7F7F7F"/>
+              </a:solidFill>
+              <a:latin typeface="Calibri" charset="0"/>
+            </a:endParaRPr>
+          </a:p>
+          <a:p>
+            <a:pPr eaLnBrk="1" hangingPunct="1"/>
+            <a:r>
+              <a:rPr lang="en-US">
+                <a:latin typeface="Calibri" charset="0"/>
+              </a:rPr>
+              <a:t>Consensus – interested parties work in open process</a:t>
+            </a:r>
+          </a:p>
+        </p:txBody>
+      </p:sp>
+      <p:sp>
+        <p:nvSpPr>
+          <p:cNvPr id="2" name="Content Placeholder 1"/>
+          <p:cNvSpPr>
+            <a:spLocks noGrp="1"/>
+          </p:cNvSpPr>
+          <p:nvPr>
+            <p:ph sz="quarter" idx="14"/>
+          </p:nvPr>
+        </p:nvSpPr>
+        <p:spPr>
+          <a:xfrm>
+            <a:off x="7543800" y="6431664"/>
+            <a:ext cx="1447800" cy="197736"/>
+          </a:xfrm>
+        </p:spPr>
+        <p:txBody>
+          <a:bodyPr/>
+          <a:lstStyle/>
+          <a:p>
+            <a:r>
+              <a:rPr lang="en-US" dirty="0"/>
+              <a:t>(Hammond, 2014)</a:t>
+            </a:r>
           </a:p>
         </p:txBody>
       </p:sp>
@@ -16614,7 +16558,6 @@
   <p:tag name="ARTICULATE_LMS" val="0"/>
   <p:tag name="ARTICULATE_META_COURSE_VERSION_SET" val="True"/>
   <p:tag name="ARTICULATE_REFERENCE_ID" val="7f5080aa-74a1-4600-a936-f4622e74cc63"/>
-  <p:tag name="ARTICULATE_SLIDE_COUNT" val="20"/>
   <p:tag name="ARTICULATE_REFERENCE_TYPE_1" val="1"/>
   <p:tag name="ARTICULATE_REFERENCE_1" val="C:\wamp\www\Box Sync\OER\BDK06\List of Resources for Standards and Interoperability.pdf"/>
   <p:tag name="ARTICULATE_REFERENCE_TITLE_1" val="List of Resources for Standards and Interoperability"/>
@@ -16622,13 +16565,14 @@
   <p:tag name="ARTICULATE_REFERENCE_COUNT" val="1"/>
   <p:tag name="ARTICULATE_REFERENCE_DESCRIPTION" val="List of Resources for Standards and Interoperability"/>
   <p:tag name="ARTICULATE_PLAYER_GLOSSARY_XML" val="&lt;?xml version=&quot;1.0&quot; encoding=&quot;utf-16&quot;?&gt;&lt;glossary xmlns:xsi=&quot;http://www.w3.org/2001/XMLSchema-instance&quot; xmlns:xsd=&quot;http://www.w3.org/2001/XMLSchema&quot;&gt;&lt;terms /&gt;&lt;/glossary&gt;"/>
-  <p:tag name="ARTICULATE_PROJECT_OPEN" val="1"/>
   <p:tag name="TAG_BACKING_FORM_KEY" val="2365948-c:\wamp\www\box sync\bd2k\oer content\bdk06\staged\bdk04-1.pptx"/>
   <p:tag name="ARTICULATE_PRESENTER_VERSION" val="7"/>
   <p:tag name="ARTICULATE_USED_PAGE_ORIENTATION" val="1"/>
   <p:tag name="ARTICULATE_USED_PAGE_SIZE" val="1"/>
   <p:tag name="ARTICULATE_META_COURSE_ID" val="4pH6A5hgTlU_course_id"/>
   <p:tag name="ARTICULATE_META_NAME_SET" val="True"/>
+  <p:tag name="ARTICULATE_SLIDE_COUNT" val="22"/>
+  <p:tag name="ARTICULATE_PROJECT_OPEN" val="0"/>
 </p:tagLst>
 </file>
 
@@ -16734,6 +16678,7 @@
   <p:tag name="ORIGINAL_AUDIO_FILEPATH" val="C:\wamp\www\Box Sync\OER\BDK06\BDK06-1audio\BDK06-1-01.mp3"/>
   <p:tag name="ELAPSEDTIME" val="16.692"/>
   <p:tag name="ARTICULATE_USED_LAYOUT" val="1"/>
+  <p:tag name="ARTICULATE_SLIDE_THUMBNAIL_REFRESH" val="1"/>
 </p:tagLst>
 </file>
 
@@ -16755,10 +16700,17 @@
   <p:tag name="ARTICULATE_PLAYER_CONTROL_NOTES" val="False"/>
   <p:tag name="ARTICULATE_PLAYER_CONTROL_RESOURCES" val="False"/>
   <p:tag name="ARTICULATE_USED_LAYOUT" val="3"/>
+  <p:tag name="ARTICULATE_SLIDE_THUMBNAIL_REFRESH" val="1"/>
 </p:tagLst>
 </file>
 
 <file path=ppt/tags/tag25.xml><?xml version="1.0" encoding="utf-8"?>
+<p:tagLst xmlns:a="http://schemas.openxmlformats.org/drawingml/2006/main" xmlns:r="http://schemas.openxmlformats.org/officeDocument/2006/relationships" xmlns:p="http://schemas.openxmlformats.org/presentationml/2006/main">
+  <p:tag name="ARTICULATE_SLIDE_THUMBNAIL_REFRESH" val="1"/>
+</p:tagLst>
+</file>
+
+<file path=ppt/tags/tag26.xml><?xml version="1.0" encoding="utf-8"?>
 <p:tagLst xmlns:a="http://schemas.openxmlformats.org/drawingml/2006/main" xmlns:r="http://schemas.openxmlformats.org/officeDocument/2006/relationships" xmlns:p="http://schemas.openxmlformats.org/presentationml/2006/main">
   <p:tag name="ARTICULATE_SLIDE_NAV" val="3"/>
   <p:tag name="ARTICULATE_SLIDE_GUID" val="8deb4fb7-ed31-4bf9-901c-9a65fb50627c"/>
@@ -16776,10 +16728,11 @@
   <p:tag name="ARTICULATE_PLAYER_CONTROL_NOTES" val="False"/>
   <p:tag name="ARTICULATE_PLAYER_CONTROL_RESOURCES" val="False"/>
   <p:tag name="ARTICULATE_USED_LAYOUT" val="3"/>
+  <p:tag name="ARTICULATE_SLIDE_THUMBNAIL_REFRESH" val="1"/>
 </p:tagLst>
 </file>
 
-<file path=ppt/tags/tag26.xml><?xml version="1.0" encoding="utf-8"?>
+<file path=ppt/tags/tag27.xml><?xml version="1.0" encoding="utf-8"?>
 <p:tagLst xmlns:a="http://schemas.openxmlformats.org/drawingml/2006/main" xmlns:r="http://schemas.openxmlformats.org/officeDocument/2006/relationships" xmlns:p="http://schemas.openxmlformats.org/presentationml/2006/main">
   <p:tag name="ARTICULATE_SLIDE_GUID" val="92e55aa6-18cb-4308-aabf-52a8ddc307be"/>
   <p:tag name="ARTICULATE_SLIDE_NAV" val="4"/>
@@ -16797,10 +16750,11 @@
   <p:tag name="ARTICULATE_PLAYER_CONTROL_NOTES" val="False"/>
   <p:tag name="ARTICULATE_PLAYER_CONTROL_RESOURCES" val="False"/>
   <p:tag name="ARTICULATE_USED_LAYOUT" val="3"/>
+  <p:tag name="ARTICULATE_SLIDE_THUMBNAIL_REFRESH" val="1"/>
 </p:tagLst>
 </file>
 
-<file path=ppt/tags/tag27.xml><?xml version="1.0" encoding="utf-8"?>
+<file path=ppt/tags/tag28.xml><?xml version="1.0" encoding="utf-8"?>
 <p:tagLst xmlns:a="http://schemas.openxmlformats.org/drawingml/2006/main" xmlns:r="http://schemas.openxmlformats.org/officeDocument/2006/relationships" xmlns:p="http://schemas.openxmlformats.org/presentationml/2006/main">
   <p:tag name="ARTICULATE_SLIDE_NAV" val="5"/>
   <p:tag name="ARTICULATE_SLIDE_GUID" val="a3d58425-83bf-43a3-96c6-c34e64266d18"/>
@@ -16818,10 +16772,11 @@
   <p:tag name="ARTICULATE_PLAYER_CONTROL_NOTES" val="False"/>
   <p:tag name="ARTICULATE_PLAYER_CONTROL_RESOURCES" val="False"/>
   <p:tag name="ARTICULATE_USED_LAYOUT" val="3"/>
+  <p:tag name="ARTICULATE_SLIDE_THUMBNAIL_REFRESH" val="1"/>
 </p:tagLst>
 </file>
 
-<file path=ppt/tags/tag28.xml><?xml version="1.0" encoding="utf-8"?>
+<file path=ppt/tags/tag29.xml><?xml version="1.0" encoding="utf-8"?>
 <p:tagLst xmlns:a="http://schemas.openxmlformats.org/drawingml/2006/main" xmlns:r="http://schemas.openxmlformats.org/officeDocument/2006/relationships" xmlns:p="http://schemas.openxmlformats.org/presentationml/2006/main">
   <p:tag name="ARTICULATE_SLIDE_GUID" val="0f8d9e5c-055c-4dcb-aceb-0271453844e2"/>
   <p:tag name="ARTICULATE_SLIDE_NAV" val="6"/>
@@ -16839,10 +16794,17 @@
   <p:tag name="ARTICULATE_PLAYER_CONTROL_NOTES" val="False"/>
   <p:tag name="ARTICULATE_PLAYER_CONTROL_RESOURCES" val="False"/>
   <p:tag name="ARTICULATE_USED_LAYOUT" val="3"/>
+  <p:tag name="ARTICULATE_SLIDE_THUMBNAIL_REFRESH" val="1"/>
 </p:tagLst>
 </file>
 
-<file path=ppt/tags/tag29.xml><?xml version="1.0" encoding="utf-8"?>
+<file path=ppt/tags/tag3.xml><?xml version="1.0" encoding="utf-8"?>
+<p:tagLst xmlns:a="http://schemas.openxmlformats.org/drawingml/2006/main" xmlns:r="http://schemas.openxmlformats.org/officeDocument/2006/relationships" xmlns:p="http://schemas.openxmlformats.org/presentationml/2006/main">
+  <p:tag name="ARTICULATE_SLIDE_THUMBNAIL_REFRESH" val="1"/>
+</p:tagLst>
+</file>
+
+<file path=ppt/tags/tag30.xml><?xml version="1.0" encoding="utf-8"?>
 <p:tagLst xmlns:a="http://schemas.openxmlformats.org/drawingml/2006/main" xmlns:r="http://schemas.openxmlformats.org/officeDocument/2006/relationships" xmlns:p="http://schemas.openxmlformats.org/presentationml/2006/main">
   <p:tag name="ARTICULATE_SLIDE_GUID" val="14fb8eb9-e547-41d0-8c3c-6b879ee708f3"/>
   <p:tag name="ARTICULATE_SLIDE_NAV" val="7"/>
@@ -16860,16 +16822,11 @@
   <p:tag name="ARTICULATE_PLAYER_CONTROL_NOTES" val="False"/>
   <p:tag name="ARTICULATE_PLAYER_CONTROL_RESOURCES" val="False"/>
   <p:tag name="ARTICULATE_USED_LAYOUT" val="3"/>
-</p:tagLst>
-</file>
-
-<file path=ppt/tags/tag3.xml><?xml version="1.0" encoding="utf-8"?>
-<p:tagLst xmlns:a="http://schemas.openxmlformats.org/drawingml/2006/main" xmlns:r="http://schemas.openxmlformats.org/officeDocument/2006/relationships" xmlns:p="http://schemas.openxmlformats.org/presentationml/2006/main">
   <p:tag name="ARTICULATE_SLIDE_THUMBNAIL_REFRESH" val="1"/>
 </p:tagLst>
 </file>
 
-<file path=ppt/tags/tag30.xml><?xml version="1.0" encoding="utf-8"?>
+<file path=ppt/tags/tag31.xml><?xml version="1.0" encoding="utf-8"?>
 <p:tagLst xmlns:a="http://schemas.openxmlformats.org/drawingml/2006/main" xmlns:r="http://schemas.openxmlformats.org/officeDocument/2006/relationships" xmlns:p="http://schemas.openxmlformats.org/presentationml/2006/main">
   <p:tag name="ARTICULATE_SLIDE_GUID" val="15df00dd-54cf-493c-acca-aa01e3abcbb2"/>
   <p:tag name="ARTICULATE_SLIDE_NAV" val="8"/>
@@ -16887,10 +16844,17 @@
   <p:tag name="ARTICULATE_PLAYER_CONTROL_NOTES" val="False"/>
   <p:tag name="ARTICULATE_PLAYER_CONTROL_RESOURCES" val="False"/>
   <p:tag name="ARTICULATE_USED_LAYOUT" val="3"/>
+  <p:tag name="ARTICULATE_SLIDE_THUMBNAIL_REFRESH" val="1"/>
 </p:tagLst>
 </file>
 
-<file path=ppt/tags/tag31.xml><?xml version="1.0" encoding="utf-8"?>
+<file path=ppt/tags/tag32.xml><?xml version="1.0" encoding="utf-8"?>
+<p:tagLst xmlns:a="http://schemas.openxmlformats.org/drawingml/2006/main" xmlns:r="http://schemas.openxmlformats.org/officeDocument/2006/relationships" xmlns:p="http://schemas.openxmlformats.org/presentationml/2006/main">
+  <p:tag name="ARTICULATE_SLIDE_THUMBNAIL_REFRESH" val="1"/>
+</p:tagLst>
+</file>
+
+<file path=ppt/tags/tag33.xml><?xml version="1.0" encoding="utf-8"?>
 <p:tagLst xmlns:a="http://schemas.openxmlformats.org/drawingml/2006/main" xmlns:r="http://schemas.openxmlformats.org/officeDocument/2006/relationships" xmlns:p="http://schemas.openxmlformats.org/presentationml/2006/main">
   <p:tag name="ARTICULATE_SLIDE_GUID" val="944640bf-c08c-4987-b993-7c51b7ee251d"/>
   <p:tag name="ARTICULATE_SLIDE_NAV" val="10"/>
@@ -16908,10 +16872,11 @@
   <p:tag name="ARTICULATE_PLAYER_CONTROL_NOTES" val="False"/>
   <p:tag name="ARTICULATE_PLAYER_CONTROL_RESOURCES" val="False"/>
   <p:tag name="ARTICULATE_USED_LAYOUT" val="3"/>
+  <p:tag name="ARTICULATE_SLIDE_THUMBNAIL_REFRESH" val="1"/>
 </p:tagLst>
 </file>
 
-<file path=ppt/tags/tag32.xml><?xml version="1.0" encoding="utf-8"?>
+<file path=ppt/tags/tag34.xml><?xml version="1.0" encoding="utf-8"?>
 <p:tagLst xmlns:a="http://schemas.openxmlformats.org/drawingml/2006/main" xmlns:r="http://schemas.openxmlformats.org/officeDocument/2006/relationships" xmlns:p="http://schemas.openxmlformats.org/presentationml/2006/main">
   <p:tag name="ARTICULATE_SLIDE_GUID" val="0ecfd429-efbb-4c0a-8c93-0d85f0bd799d"/>
   <p:tag name="ARTICULATE_SLIDE_NAV" val="11"/>
@@ -16929,10 +16894,11 @@
   <p:tag name="ARTICULATE_PLAYER_CONTROL_NOTES" val="False"/>
   <p:tag name="ARTICULATE_PLAYER_CONTROL_RESOURCES" val="False"/>
   <p:tag name="ARTICULATE_USED_LAYOUT" val="3"/>
+  <p:tag name="ARTICULATE_SLIDE_THUMBNAIL_REFRESH" val="1"/>
 </p:tagLst>
 </file>
 
-<file path=ppt/tags/tag33.xml><?xml version="1.0" encoding="utf-8"?>
+<file path=ppt/tags/tag35.xml><?xml version="1.0" encoding="utf-8"?>
 <p:tagLst xmlns:a="http://schemas.openxmlformats.org/drawingml/2006/main" xmlns:r="http://schemas.openxmlformats.org/officeDocument/2006/relationships" xmlns:p="http://schemas.openxmlformats.org/presentationml/2006/main">
   <p:tag name="ARTICULATE_SLIDE_GUID" val="876a7edb-fad1-4cfd-a2cb-b6ef5e9d119c"/>
   <p:tag name="ARTICULATE_SLIDE_NAV" val="12"/>
@@ -16950,10 +16916,11 @@
   <p:tag name="ARTICULATE_PLAYER_CONTROL_NOTES" val="False"/>
   <p:tag name="ARTICULATE_PLAYER_CONTROL_RESOURCES" val="False"/>
   <p:tag name="ARTICULATE_USED_LAYOUT" val="3"/>
+  <p:tag name="ARTICULATE_SLIDE_THUMBNAIL_REFRESH" val="1"/>
 </p:tagLst>
 </file>
 
-<file path=ppt/tags/tag34.xml><?xml version="1.0" encoding="utf-8"?>
+<file path=ppt/tags/tag36.xml><?xml version="1.0" encoding="utf-8"?>
 <p:tagLst xmlns:a="http://schemas.openxmlformats.org/drawingml/2006/main" xmlns:r="http://schemas.openxmlformats.org/officeDocument/2006/relationships" xmlns:p="http://schemas.openxmlformats.org/presentationml/2006/main">
   <p:tag name="ARTICULATE_SLIDE_GUID" val="f17fee46-6dd7-4e9c-a448-44ba042664ea"/>
   <p:tag name="ARTICULATE_SLIDE_NAV" val="15"/>
@@ -16971,10 +16938,11 @@
   <p:tag name="ARTICULATE_PLAYER_CONTROL_NOTES" val="False"/>
   <p:tag name="ARTICULATE_PLAYER_CONTROL_RESOURCES" val="False"/>
   <p:tag name="ARTICULATE_USED_LAYOUT" val="3"/>
+  <p:tag name="ARTICULATE_SLIDE_THUMBNAIL_REFRESH" val="1"/>
 </p:tagLst>
 </file>
 
-<file path=ppt/tags/tag35.xml><?xml version="1.0" encoding="utf-8"?>
+<file path=ppt/tags/tag37.xml><?xml version="1.0" encoding="utf-8"?>
 <p:tagLst xmlns:a="http://schemas.openxmlformats.org/drawingml/2006/main" xmlns:r="http://schemas.openxmlformats.org/officeDocument/2006/relationships" xmlns:p="http://schemas.openxmlformats.org/presentationml/2006/main">
   <p:tag name="ARTICULATE_SLIDE_NAV" val="16"/>
   <p:tag name="ARTICULATE_SLIDE_GUID" val="ce377399-f650-4291-b9a8-3a5d511725d4"/>
@@ -16992,10 +16960,11 @@
   <p:tag name="ARTICULATE_PLAYER_CONTROL_NOTES" val="False"/>
   <p:tag name="ARTICULATE_PLAYER_CONTROL_RESOURCES" val="False"/>
   <p:tag name="ARTICULATE_USED_LAYOUT" val="3"/>
+  <p:tag name="ARTICULATE_SLIDE_THUMBNAIL_REFRESH" val="1"/>
 </p:tagLst>
 </file>
 
-<file path=ppt/tags/tag36.xml><?xml version="1.0" encoding="utf-8"?>
+<file path=ppt/tags/tag38.xml><?xml version="1.0" encoding="utf-8"?>
 <p:tagLst xmlns:a="http://schemas.openxmlformats.org/drawingml/2006/main" xmlns:r="http://schemas.openxmlformats.org/officeDocument/2006/relationships" xmlns:p="http://schemas.openxmlformats.org/presentationml/2006/main">
   <p:tag name="ARTICULATE_SLIDE_GUID" val="b5a545cb-b125-48c6-a582-b846cd5b8c54"/>
   <p:tag name="ARTICULATE_SLIDE_NAV" val="17"/>
@@ -17013,10 +16982,23 @@
   <p:tag name="ARTICULATE_PLAYER_CONTROL_NOTES" val="False"/>
   <p:tag name="ARTICULATE_PLAYER_CONTROL_RESOURCES" val="False"/>
   <p:tag name="ARTICULATE_USED_LAYOUT" val="3"/>
+  <p:tag name="ARTICULATE_SLIDE_THUMBNAIL_REFRESH" val="1"/>
 </p:tagLst>
 </file>
 
-<file path=ppt/tags/tag37.xml><?xml version="1.0" encoding="utf-8"?>
+<file path=ppt/tags/tag39.xml><?xml version="1.0" encoding="utf-8"?>
+<p:tagLst xmlns:a="http://schemas.openxmlformats.org/drawingml/2006/main" xmlns:r="http://schemas.openxmlformats.org/officeDocument/2006/relationships" xmlns:p="http://schemas.openxmlformats.org/presentationml/2006/main">
+  <p:tag name="ARTICULATE_SLIDE_THUMBNAIL_REFRESH" val="1"/>
+</p:tagLst>
+</file>
+
+<file path=ppt/tags/tag4.xml><?xml version="1.0" encoding="utf-8"?>
+<p:tagLst xmlns:a="http://schemas.openxmlformats.org/drawingml/2006/main" xmlns:r="http://schemas.openxmlformats.org/officeDocument/2006/relationships" xmlns:p="http://schemas.openxmlformats.org/presentationml/2006/main">
+  <p:tag name="ARTICULATE_SLIDE_THUMBNAIL_REFRESH" val="1"/>
+</p:tagLst>
+</file>
+
+<file path=ppt/tags/tag40.xml><?xml version="1.0" encoding="utf-8"?>
 <p:tagLst xmlns:a="http://schemas.openxmlformats.org/drawingml/2006/main" xmlns:r="http://schemas.openxmlformats.org/officeDocument/2006/relationships" xmlns:p="http://schemas.openxmlformats.org/presentationml/2006/main">
   <p:tag name="ARTICULATE_SLIDE_GUID" val="912883b4-20b5-488d-91b5-9cb33fb7b4f0"/>
   <p:tag name="ARTICULATE_SLIDE_NAV" val="19"/>
@@ -17034,10 +17016,11 @@
   <p:tag name="ARTICULATE_PLAYER_CONTROL_NOTES" val="False"/>
   <p:tag name="ARTICULATE_PLAYER_CONTROL_RESOURCES" val="False"/>
   <p:tag name="ARTICULATE_USED_LAYOUT" val="3"/>
+  <p:tag name="ARTICULATE_SLIDE_THUMBNAIL_REFRESH" val="1"/>
 </p:tagLst>
 </file>
 
-<file path=ppt/tags/tag38.xml><?xml version="1.0" encoding="utf-8"?>
+<file path=ppt/tags/tag41.xml><?xml version="1.0" encoding="utf-8"?>
 <p:tagLst xmlns:a="http://schemas.openxmlformats.org/drawingml/2006/main" xmlns:r="http://schemas.openxmlformats.org/officeDocument/2006/relationships" xmlns:p="http://schemas.openxmlformats.org/presentationml/2006/main">
   <p:tag name="ARTICULATE_SLIDE_NAV" val="20"/>
   <p:tag name="ARTICULATE_SLIDE_GUID" val="e1c72071-03ff-41ba-a13e-45139ddec6a8"/>
@@ -17055,10 +17038,11 @@
   <p:tag name="ARTICULATE_PLAYER_CONTROL_NOTES" val="False"/>
   <p:tag name="ARTICULATE_PLAYER_CONTROL_RESOURCES" val="False"/>
   <p:tag name="ARTICULATE_USED_LAYOUT" val="3"/>
+  <p:tag name="ARTICULATE_SLIDE_THUMBNAIL_REFRESH" val="1"/>
 </p:tagLst>
 </file>
 
-<file path=ppt/tags/tag39.xml><?xml version="1.0" encoding="utf-8"?>
+<file path=ppt/tags/tag42.xml><?xml version="1.0" encoding="utf-8"?>
 <p:tagLst xmlns:a="http://schemas.openxmlformats.org/drawingml/2006/main" xmlns:r="http://schemas.openxmlformats.org/officeDocument/2006/relationships" xmlns:p="http://schemas.openxmlformats.org/presentationml/2006/main">
   <p:tag name="AUDIO_ID" val="296"/>
   <p:tag name="ARTICULATE_AUDIO_RECORDED" val="1"/>
@@ -17074,37 +17058,11 @@
   <p:tag name="ARTICULATE_PLAYER_CONTROL_NOTES" val="False"/>
   <p:tag name="ARTICULATE_PLAYER_CONTROL_RESOURCES" val="False"/>
   <p:tag name="ARTICULATE_USED_LAYOUT" val="3"/>
-</p:tagLst>
-</file>
-
-<file path=ppt/tags/tag4.xml><?xml version="1.0" encoding="utf-8"?>
-<p:tagLst xmlns:a="http://schemas.openxmlformats.org/drawingml/2006/main" xmlns:r="http://schemas.openxmlformats.org/officeDocument/2006/relationships" xmlns:p="http://schemas.openxmlformats.org/presentationml/2006/main">
   <p:tag name="ARTICULATE_SLIDE_THUMBNAIL_REFRESH" val="1"/>
 </p:tagLst>
 </file>
 
-<file path=ppt/tags/tag40.xml><?xml version="1.0" encoding="utf-8"?>
-<p:tagLst xmlns:a="http://schemas.openxmlformats.org/drawingml/2006/main" xmlns:r="http://schemas.openxmlformats.org/officeDocument/2006/relationships" xmlns:p="http://schemas.openxmlformats.org/presentationml/2006/main">
-  <p:tag name="ARTICULATE_SLIDE_GUID" val="bf2c9e4d-cab1-4ba5-b107-9b40d7fd04ba"/>
-  <p:tag name="ARTICULATE_SLIDE_NAV" val="21"/>
-  <p:tag name="AUDIO_ID" val="265"/>
-  <p:tag name="ARTICULATE_AUDIO_RECORDED" val="1"/>
-  <p:tag name="ORIGINAL_AUDIO_FILEPATH" val="C:\wamp\www\Box Sync\OER\BDK06\BDK06-1audio\BDK06-1-18.mp3"/>
-  <p:tag name="ELAPSEDTIME" val="67.052"/>
-  <p:tag name="ARTICULATE_NAV_LEVEL" val="1"/>
-  <p:tag name="ARTICULATE_SLIDE_PRESENTER_GUID" val="a188f16f-5c86-472f-bb80-2b341762e951"/>
-  <p:tag name="ARTICULATE_SLIDE_PAUSE" val="0"/>
-  <p:tag name="ARTICULATE_LOCK_SLIDE" val="0"/>
-  <p:tag name="ARTICULATE_HIDE_SLIDE" val="0"/>
-  <p:tag name="ARTICULATE_PLAYER_CONTROL_PREVIOUS" val="True"/>
-  <p:tag name="ARTICULATE_PLAYER_CONTROL_NEXT" val="True"/>
-  <p:tag name="ARTICULATE_PLAYER_CONTROL_NOTES" val="False"/>
-  <p:tag name="ARTICULATE_PLAYER_CONTROL_RESOURCES" val="False"/>
-  <p:tag name="ARTICULATE_USED_LAYOUT" val="3"/>
-</p:tagLst>
-</file>
-
-<file path=ppt/tags/tag41.xml><?xml version="1.0" encoding="utf-8"?>
+<file path=ppt/tags/tag43.xml><?xml version="1.0" encoding="utf-8"?>
 <p:tagLst xmlns:a="http://schemas.openxmlformats.org/drawingml/2006/main" xmlns:r="http://schemas.openxmlformats.org/officeDocument/2006/relationships" xmlns:p="http://schemas.openxmlformats.org/presentationml/2006/main">
   <p:tag name="ARTICULATE_SLIDE_GUID" val="fea86b45-843f-4cf5-98c9-5d1cd4728858"/>
   <p:tag name="ARTICULATE_SLIDE_NAV" val="22"/>
@@ -17122,10 +17080,11 @@
   <p:tag name="ARTICULATE_PLAYER_CONTROL_NOTES" val="False"/>
   <p:tag name="ARTICULATE_PLAYER_CONTROL_RESOURCES" val="False"/>
   <p:tag name="ARTICULATE_USED_LAYOUT" val="3"/>
+  <p:tag name="ARTICULATE_SLIDE_THUMBNAIL_REFRESH" val="1"/>
 </p:tagLst>
 </file>
 
-<file path=ppt/tags/tag42.xml><?xml version="1.0" encoding="utf-8"?>
+<file path=ppt/tags/tag44.xml><?xml version="1.0" encoding="utf-8"?>
 <p:tagLst xmlns:a="http://schemas.openxmlformats.org/drawingml/2006/main" xmlns:r="http://schemas.openxmlformats.org/officeDocument/2006/relationships" xmlns:p="http://schemas.openxmlformats.org/presentationml/2006/main">
   <p:tag name="AUDIO_ID" val="297"/>
   <p:tag name="ARTICULATE_NAV_LEVEL" val="1"/>
@@ -17142,6 +17101,7 @@
   <p:tag name="ARTICULATE_NEXT_BUTTON_ID" val="256"/>
   <p:tag name="ARTICULATE_PREV_BUTTON_ID" val="272"/>
   <p:tag name="ARTICULATE_USED_LAYOUT" val="3"/>
+  <p:tag name="ARTICULATE_SLIDE_THUMBNAIL_REFRESH" val="1"/>
 </p:tagLst>
 </file>
 
